--- a/Презентация/Презентация к курсовой работе.pptx
+++ b/Презентация/Презентация к курсовой работе.pptx
@@ -4873,7 +4873,7 @@
             <a:fld id="{A3791AF7-0A25-47DD-912E-4FCA7B12B26B}" type="datetimeFigureOut">
               <a:rPr lang="ru-RU" smtClean="0"/>
               <a:pPr/>
-              <a:t>05.11.2023</a:t>
+              <a:t>07.11.2023</a:t>
             </a:fld>
             <a:endParaRPr lang="ru-RU"/>
           </a:p>
@@ -5318,7 +5318,7 @@
             <a:fld id="{978481B4-3236-48B9-A372-D1E5F3829042}" type="datetimeFigureOut">
               <a:rPr lang="ru-RU" smtClean="0"/>
               <a:pPr/>
-              <a:t>05.11.2023</a:t>
+              <a:t>07.11.2023</a:t>
             </a:fld>
             <a:endParaRPr lang="ru-RU" dirty="0"/>
           </a:p>
@@ -5486,7 +5486,7 @@
             <a:fld id="{978481B4-3236-48B9-A372-D1E5F3829042}" type="datetimeFigureOut">
               <a:rPr lang="ru-RU" smtClean="0"/>
               <a:pPr/>
-              <a:t>05.11.2023</a:t>
+              <a:t>07.11.2023</a:t>
             </a:fld>
             <a:endParaRPr lang="ru-RU" dirty="0"/>
           </a:p>
@@ -5664,7 +5664,7 @@
             <a:fld id="{978481B4-3236-48B9-A372-D1E5F3829042}" type="datetimeFigureOut">
               <a:rPr lang="ru-RU" smtClean="0"/>
               <a:pPr/>
-              <a:t>05.11.2023</a:t>
+              <a:t>07.11.2023</a:t>
             </a:fld>
             <a:endParaRPr lang="ru-RU" dirty="0"/>
           </a:p>
@@ -5832,7 +5832,7 @@
             <a:fld id="{978481B4-3236-48B9-A372-D1E5F3829042}" type="datetimeFigureOut">
               <a:rPr lang="ru-RU" smtClean="0"/>
               <a:pPr/>
-              <a:t>05.11.2023</a:t>
+              <a:t>07.11.2023</a:t>
             </a:fld>
             <a:endParaRPr lang="ru-RU" dirty="0"/>
           </a:p>
@@ -6077,7 +6077,7 @@
             <a:fld id="{978481B4-3236-48B9-A372-D1E5F3829042}" type="datetimeFigureOut">
               <a:rPr lang="ru-RU" smtClean="0"/>
               <a:pPr/>
-              <a:t>05.11.2023</a:t>
+              <a:t>07.11.2023</a:t>
             </a:fld>
             <a:endParaRPr lang="ru-RU" dirty="0"/>
           </a:p>
@@ -6362,7 +6362,7 @@
             <a:fld id="{978481B4-3236-48B9-A372-D1E5F3829042}" type="datetimeFigureOut">
               <a:rPr lang="ru-RU" smtClean="0"/>
               <a:pPr/>
-              <a:t>05.11.2023</a:t>
+              <a:t>07.11.2023</a:t>
             </a:fld>
             <a:endParaRPr lang="ru-RU" dirty="0"/>
           </a:p>
@@ -6781,7 +6781,7 @@
             <a:fld id="{978481B4-3236-48B9-A372-D1E5F3829042}" type="datetimeFigureOut">
               <a:rPr lang="ru-RU" smtClean="0"/>
               <a:pPr/>
-              <a:t>05.11.2023</a:t>
+              <a:t>07.11.2023</a:t>
             </a:fld>
             <a:endParaRPr lang="ru-RU" dirty="0"/>
           </a:p>
@@ -6898,7 +6898,7 @@
             <a:fld id="{978481B4-3236-48B9-A372-D1E5F3829042}" type="datetimeFigureOut">
               <a:rPr lang="ru-RU" smtClean="0"/>
               <a:pPr/>
-              <a:t>05.11.2023</a:t>
+              <a:t>07.11.2023</a:t>
             </a:fld>
             <a:endParaRPr lang="ru-RU" dirty="0"/>
           </a:p>
@@ -6993,7 +6993,7 @@
             <a:fld id="{978481B4-3236-48B9-A372-D1E5F3829042}" type="datetimeFigureOut">
               <a:rPr lang="ru-RU" smtClean="0"/>
               <a:pPr/>
-              <a:t>05.11.2023</a:t>
+              <a:t>07.11.2023</a:t>
             </a:fld>
             <a:endParaRPr lang="ru-RU" dirty="0"/>
           </a:p>
@@ -7268,7 +7268,7 @@
             <a:fld id="{978481B4-3236-48B9-A372-D1E5F3829042}" type="datetimeFigureOut">
               <a:rPr lang="ru-RU" smtClean="0"/>
               <a:pPr/>
-              <a:t>05.11.2023</a:t>
+              <a:t>07.11.2023</a:t>
             </a:fld>
             <a:endParaRPr lang="ru-RU" dirty="0"/>
           </a:p>
@@ -7520,7 +7520,7 @@
             <a:fld id="{978481B4-3236-48B9-A372-D1E5F3829042}" type="datetimeFigureOut">
               <a:rPr lang="ru-RU" smtClean="0"/>
               <a:pPr/>
-              <a:t>05.11.2023</a:t>
+              <a:t>07.11.2023</a:t>
             </a:fld>
             <a:endParaRPr lang="ru-RU" dirty="0"/>
           </a:p>
@@ -7731,7 +7731,7 @@
             <a:fld id="{978481B4-3236-48B9-A372-D1E5F3829042}" type="datetimeFigureOut">
               <a:rPr lang="ru-RU" smtClean="0"/>
               <a:pPr/>
-              <a:t>05.11.2023</a:t>
+              <a:t>07.11.2023</a:t>
             </a:fld>
             <a:endParaRPr lang="ru-RU" dirty="0"/>
           </a:p>
@@ -14092,8 +14092,8 @@
             </a:p>
           </p:txBody>
         </p:sp>
-        <mc:AlternateContent xmlns:mc="http://schemas.openxmlformats.org/markup-compatibility/2006">
-          <mc:Choice xmlns:a14="http://schemas.microsoft.com/office/drawing/2010/main" Requires="a14">
+        <mc:AlternateContent xmlns:mc="http://schemas.openxmlformats.org/markup-compatibility/2006" xmlns:a14="http://schemas.microsoft.com/office/drawing/2010/main">
+          <mc:Choice Requires="a14">
             <p:sp>
               <p:nvSpPr>
                 <p:cNvPr id="22" name="TextBox 21">
@@ -14263,7 +14263,7 @@
               </p:txBody>
             </p:sp>
           </mc:Choice>
-          <mc:Fallback>
+          <mc:Fallback xmlns="">
             <p:sp>
               <p:nvSpPr>
                 <p:cNvPr id="22" name="TextBox 21">
@@ -14408,8 +14408,8 @@
             </a:p>
           </p:txBody>
         </p:sp>
-        <mc:AlternateContent xmlns:mc="http://schemas.openxmlformats.org/markup-compatibility/2006">
-          <mc:Choice xmlns:a14="http://schemas.microsoft.com/office/drawing/2010/main" Requires="a14">
+        <mc:AlternateContent xmlns:mc="http://schemas.openxmlformats.org/markup-compatibility/2006" xmlns:a14="http://schemas.microsoft.com/office/drawing/2010/main">
+          <mc:Choice Requires="a14">
             <p:sp>
               <p:nvSpPr>
                 <p:cNvPr id="24" name="TextBox 23">
@@ -14668,7 +14668,7 @@
               </p:txBody>
             </p:sp>
           </mc:Choice>
-          <mc:Fallback>
+          <mc:Fallback xmlns="">
             <p:sp>
               <p:nvSpPr>
                 <p:cNvPr id="24" name="TextBox 23">
@@ -14860,8 +14860,8 @@
             </a:p>
           </p:txBody>
         </p:sp>
-        <mc:AlternateContent xmlns:mc="http://schemas.openxmlformats.org/markup-compatibility/2006">
-          <mc:Choice xmlns:a14="http://schemas.microsoft.com/office/drawing/2010/main" Requires="a14">
+        <mc:AlternateContent xmlns:mc="http://schemas.openxmlformats.org/markup-compatibility/2006" xmlns:a14="http://schemas.microsoft.com/office/drawing/2010/main">
+          <mc:Choice Requires="a14">
             <p:sp>
               <p:nvSpPr>
                 <p:cNvPr id="26" name="TextBox 25">
@@ -15120,7 +15120,7 @@
               </p:txBody>
             </p:sp>
           </mc:Choice>
-          <mc:Fallback>
+          <mc:Fallback xmlns="">
             <p:sp>
               <p:nvSpPr>
                 <p:cNvPr id="26" name="TextBox 25">
@@ -15351,8 +15351,8 @@
             </a:p>
           </p:txBody>
         </p:sp>
-        <mc:AlternateContent xmlns:mc="http://schemas.openxmlformats.org/markup-compatibility/2006">
-          <mc:Choice xmlns:a14="http://schemas.microsoft.com/office/drawing/2010/main" Requires="a14">
+        <mc:AlternateContent xmlns:mc="http://schemas.openxmlformats.org/markup-compatibility/2006" xmlns:a14="http://schemas.microsoft.com/office/drawing/2010/main">
+          <mc:Choice Requires="a14">
             <p:sp>
               <p:nvSpPr>
                 <p:cNvPr id="42" name="TextBox 41">
@@ -15611,7 +15611,7 @@
               </p:txBody>
             </p:sp>
           </mc:Choice>
-          <mc:Fallback>
+          <mc:Fallback xmlns="">
             <p:sp>
               <p:nvSpPr>
                 <p:cNvPr id="42" name="TextBox 41">
@@ -15800,8 +15800,8 @@
             </a:p>
           </p:txBody>
         </p:sp>
-        <mc:AlternateContent xmlns:mc="http://schemas.openxmlformats.org/markup-compatibility/2006">
-          <mc:Choice xmlns:a14="http://schemas.microsoft.com/office/drawing/2010/main" Requires="a14">
+        <mc:AlternateContent xmlns:mc="http://schemas.openxmlformats.org/markup-compatibility/2006" xmlns:a14="http://schemas.microsoft.com/office/drawing/2010/main">
+          <mc:Choice Requires="a14">
             <p:sp>
               <p:nvSpPr>
                 <p:cNvPr id="49" name="TextBox 48">
@@ -16060,7 +16060,7 @@
               </p:txBody>
             </p:sp>
           </mc:Choice>
-          <mc:Fallback>
+          <mc:Fallback xmlns="">
             <p:sp>
               <p:nvSpPr>
                 <p:cNvPr id="49" name="TextBox 48">
@@ -16247,8 +16247,8 @@
             </a:p>
           </p:txBody>
         </p:sp>
-        <mc:AlternateContent xmlns:mc="http://schemas.openxmlformats.org/markup-compatibility/2006">
-          <mc:Choice xmlns:a14="http://schemas.microsoft.com/office/drawing/2010/main" Requires="a14">
+        <mc:AlternateContent xmlns:mc="http://schemas.openxmlformats.org/markup-compatibility/2006" xmlns:a14="http://schemas.microsoft.com/office/drawing/2010/main">
+          <mc:Choice Requires="a14">
             <p:sp>
               <p:nvSpPr>
                 <p:cNvPr id="52" name="TextBox 51">
@@ -16507,7 +16507,7 @@
               </p:txBody>
             </p:sp>
           </mc:Choice>
-          <mc:Fallback>
+          <mc:Fallback xmlns="">
             <p:sp>
               <p:nvSpPr>
                 <p:cNvPr id="52" name="TextBox 51">
@@ -17555,8 +17555,27 @@
                 <a:ea typeface="Open Sans" pitchFamily="2" charset="0"/>
                 <a:cs typeface="Open Sans" pitchFamily="2" charset="0"/>
               </a:rPr>
-              <a:t>Процессор, совместимый с аппаратной архитектурой x86 или x64.</a:t>
+              <a:t>процессор, совместимый с аппаратной архитектурой x86 или x64</a:t>
             </a:r>
+            <a:r>
+              <a:rPr lang="en-US" sz="1600" dirty="0">
+                <a:solidFill>
+                  <a:schemeClr val="bg1"/>
+                </a:solidFill>
+                <a:latin typeface="Open Sans" pitchFamily="2" charset="0"/>
+                <a:ea typeface="Open Sans" pitchFamily="2" charset="0"/>
+                <a:cs typeface="Open Sans" pitchFamily="2" charset="0"/>
+              </a:rPr>
+              <a:t>;</a:t>
+            </a:r>
+            <a:endParaRPr lang="ru-RU" sz="1600" dirty="0">
+              <a:solidFill>
+                <a:schemeClr val="bg1"/>
+              </a:solidFill>
+              <a:latin typeface="Open Sans" pitchFamily="2" charset="0"/>
+              <a:ea typeface="Open Sans" pitchFamily="2" charset="0"/>
+              <a:cs typeface="Open Sans" pitchFamily="2" charset="0"/>
+            </a:endParaRPr>
           </a:p>
           <a:p>
             <a:pPr lvl="1"/>
@@ -17569,8 +17588,71 @@
                 <a:ea typeface="Open Sans" pitchFamily="2" charset="0"/>
                 <a:cs typeface="Open Sans" pitchFamily="2" charset="0"/>
               </a:rPr>
-              <a:t>Рекомендуется наличие не менее 4 ГБ оперативной памяти (RAM).</a:t>
+              <a:t>рекомендуется наличие не менее 4 </a:t>
             </a:r>
+            <a:r>
+              <a:rPr lang="ru-RU" sz="1600" dirty="0" err="1">
+                <a:solidFill>
+                  <a:schemeClr val="bg1"/>
+                </a:solidFill>
+                <a:latin typeface="Open Sans" pitchFamily="2" charset="0"/>
+                <a:ea typeface="Open Sans" pitchFamily="2" charset="0"/>
+                <a:cs typeface="Open Sans" pitchFamily="2" charset="0"/>
+              </a:rPr>
+              <a:t>гб</a:t>
+            </a:r>
+            <a:r>
+              <a:rPr lang="ru-RU" sz="1600" dirty="0">
+                <a:solidFill>
+                  <a:schemeClr val="bg1"/>
+                </a:solidFill>
+                <a:latin typeface="Open Sans" pitchFamily="2" charset="0"/>
+                <a:ea typeface="Open Sans" pitchFamily="2" charset="0"/>
+                <a:cs typeface="Open Sans" pitchFamily="2" charset="0"/>
+              </a:rPr>
+              <a:t> оперативной памяти (</a:t>
+            </a:r>
+            <a:r>
+              <a:rPr lang="ru-RU" sz="1600" dirty="0" err="1">
+                <a:solidFill>
+                  <a:schemeClr val="bg1"/>
+                </a:solidFill>
+                <a:latin typeface="Open Sans" pitchFamily="2" charset="0"/>
+                <a:ea typeface="Open Sans" pitchFamily="2" charset="0"/>
+                <a:cs typeface="Open Sans" pitchFamily="2" charset="0"/>
+              </a:rPr>
+              <a:t>ram</a:t>
+            </a:r>
+            <a:r>
+              <a:rPr lang="ru-RU" sz="1600" dirty="0">
+                <a:solidFill>
+                  <a:schemeClr val="bg1"/>
+                </a:solidFill>
+                <a:latin typeface="Open Sans" pitchFamily="2" charset="0"/>
+                <a:ea typeface="Open Sans" pitchFamily="2" charset="0"/>
+                <a:cs typeface="Open Sans" pitchFamily="2" charset="0"/>
+              </a:rPr>
+              <a:t>)</a:t>
+            </a:r>
+            <a:r>
+              <a:rPr lang="en-US" sz="1600" dirty="0">
+                <a:solidFill>
+                  <a:schemeClr val="bg1"/>
+                </a:solidFill>
+                <a:latin typeface="Open Sans" pitchFamily="2" charset="0"/>
+                <a:ea typeface="Open Sans" pitchFamily="2" charset="0"/>
+                <a:cs typeface="Open Sans" pitchFamily="2" charset="0"/>
+              </a:rPr>
+              <a:t>;</a:t>
+            </a:r>
+            <a:endParaRPr lang="ru-RU" sz="1600" dirty="0">
+              <a:solidFill>
+                <a:schemeClr val="bg1"/>
+              </a:solidFill>
+              <a:latin typeface="Open Sans" pitchFamily="2" charset="0"/>
+              <a:ea typeface="Open Sans" pitchFamily="2" charset="0"/>
+              <a:cs typeface="Open Sans" pitchFamily="2" charset="0"/>
+            </a:endParaRPr>
           </a:p>
           <a:p>
             <a:pPr lvl="1"/>
@@ -17583,7 +17665,29 @@
                 <a:ea typeface="Open Sans" pitchFamily="2" charset="0"/>
                 <a:cs typeface="Open Sans" pitchFamily="2" charset="0"/>
               </a:rPr>
-              <a:t>Наличие от 50 ГБ свободного дискового пространства.</a:t>
+              <a:t>наличие от 100 </a:t>
+            </a:r>
+            <a:r>
+              <a:rPr lang="ru-RU" sz="1600" dirty="0" err="1">
+                <a:solidFill>
+                  <a:schemeClr val="bg1"/>
+                </a:solidFill>
+                <a:latin typeface="Open Sans" pitchFamily="2" charset="0"/>
+                <a:ea typeface="Open Sans" pitchFamily="2" charset="0"/>
+                <a:cs typeface="Open Sans" pitchFamily="2" charset="0"/>
+              </a:rPr>
+              <a:t>мб</a:t>
+            </a:r>
+            <a:r>
+              <a:rPr lang="ru-RU" sz="1600" dirty="0">
+                <a:solidFill>
+                  <a:schemeClr val="bg1"/>
+                </a:solidFill>
+                <a:latin typeface="Open Sans" pitchFamily="2" charset="0"/>
+                <a:ea typeface="Open Sans" pitchFamily="2" charset="0"/>
+                <a:cs typeface="Open Sans" pitchFamily="2" charset="0"/>
+              </a:rPr>
+              <a:t> свободного дискового пространства.</a:t>
             </a:r>
           </a:p>
           <a:p>
@@ -17606,6 +17710,28 @@
           <a:p>
             <a:pPr lvl="1"/>
             <a:r>
+              <a:rPr lang="en-US" sz="1600" dirty="0">
+                <a:solidFill>
+                  <a:schemeClr val="bg1"/>
+                </a:solidFill>
+                <a:latin typeface="Open Sans" pitchFamily="2" charset="0"/>
+                <a:ea typeface="Open Sans" pitchFamily="2" charset="0"/>
+                <a:cs typeface="Open Sans" pitchFamily="2" charset="0"/>
+              </a:rPr>
+              <a:t>p</a:t>
+            </a:r>
+            <a:r>
+              <a:rPr lang="ru-RU" sz="1600" dirty="0" err="1">
+                <a:solidFill>
+                  <a:schemeClr val="bg1"/>
+                </a:solidFill>
+                <a:latin typeface="Open Sans" pitchFamily="2" charset="0"/>
+                <a:ea typeface="Open Sans" pitchFamily="2" charset="0"/>
+                <a:cs typeface="Open Sans" pitchFamily="2" charset="0"/>
+              </a:rPr>
+              <a:t>ython</a:t>
+            </a:r>
+            <a:r>
               <a:rPr lang="ru-RU" sz="1600" dirty="0">
                 <a:solidFill>
                   <a:schemeClr val="bg1"/>
@@ -17614,8 +17740,27 @@
                 <a:ea typeface="Open Sans" pitchFamily="2" charset="0"/>
                 <a:cs typeface="Open Sans" pitchFamily="2" charset="0"/>
               </a:rPr>
-              <a:t>Python 3.x (поддержка Python 3.6 и выше).</a:t>
+              <a:t> 3.x (поддержка Python 3.6 и выше)</a:t>
             </a:r>
+            <a:r>
+              <a:rPr lang="en-US" sz="1600" dirty="0">
+                <a:solidFill>
+                  <a:schemeClr val="bg1"/>
+                </a:solidFill>
+                <a:latin typeface="Open Sans" pitchFamily="2" charset="0"/>
+                <a:ea typeface="Open Sans" pitchFamily="2" charset="0"/>
+                <a:cs typeface="Open Sans" pitchFamily="2" charset="0"/>
+              </a:rPr>
+              <a:t>;</a:t>
+            </a:r>
+            <a:endParaRPr lang="ru-RU" sz="1600" dirty="0">
+              <a:solidFill>
+                <a:schemeClr val="bg1"/>
+              </a:solidFill>
+              <a:latin typeface="Open Sans" pitchFamily="2" charset="0"/>
+              <a:ea typeface="Open Sans" pitchFamily="2" charset="0"/>
+              <a:cs typeface="Open Sans" pitchFamily="2" charset="0"/>
+            </a:endParaRPr>
           </a:p>
           <a:p>
             <a:pPr lvl="1"/>
@@ -17628,7 +17773,7 @@
                 <a:ea typeface="Open Sans" pitchFamily="2" charset="0"/>
                 <a:cs typeface="Open Sans" pitchFamily="2" charset="0"/>
               </a:rPr>
-              <a:t>Библиотеки Python: </a:t>
+              <a:t>библиотеки Python: </a:t>
             </a:r>
             <a:r>
               <a:rPr lang="ru-RU" sz="1600" dirty="0" err="1">

--- a/Презентация/Презентация к курсовой работе.pptx
+++ b/Презентация/Презентация к курсовой работе.pptx
@@ -10873,7 +10873,7 @@
           </p:nvSpPr>
           <p:spPr>
             <a:xfrm>
-              <a:off x="6018081" y="4121528"/>
+              <a:off x="6050547" y="4153807"/>
               <a:ext cx="584388" cy="584388"/>
             </a:xfrm>
             <a:prstGeom prst="ellipse">
@@ -11044,7 +11044,7 @@
           </p:nvSpPr>
           <p:spPr>
             <a:xfrm>
-              <a:off x="5576543" y="3163803"/>
+              <a:off x="5559016" y="3101188"/>
               <a:ext cx="584388" cy="584388"/>
             </a:xfrm>
             <a:prstGeom prst="ellipse">

--- a/Презентация/Презентация к курсовой работе.pptx
+++ b/Презентация/Презентация к курсовой работе.pptx
@@ -138,75 +138,86 @@
 </file>
 
 <file path=ppt/diagrams/colors1.xml><?xml version="1.0" encoding="utf-8"?>
-<dgm:colorsDef xmlns:dgm="http://schemas.openxmlformats.org/drawingml/2006/diagram" xmlns:a="http://schemas.openxmlformats.org/drawingml/2006/main" uniqueId="urn:microsoft.com/office/officeart/2005/8/colors/colorful5">
+<dgm:colorsDef xmlns:dgm="http://schemas.openxmlformats.org/drawingml/2006/diagram" xmlns:a="http://schemas.openxmlformats.org/drawingml/2006/main" uniqueId="urn:microsoft.com/office/officeart/2005/8/colors/accent0_1">
   <dgm:title val=""/>
   <dgm:desc val=""/>
   <dgm:catLst>
-    <dgm:cat type="colorful" pri="10500"/>
+    <dgm:cat type="mainScheme" pri="10100"/>
   </dgm:catLst>
   <dgm:styleLbl name="node0">
     <dgm:fillClrLst meth="repeat">
-      <a:schemeClr val="accent4"/>
+      <a:schemeClr val="lt1"/>
     </dgm:fillClrLst>
     <dgm:linClrLst meth="repeat">
-      <a:schemeClr val="lt1"/>
+      <a:schemeClr val="dk1">
+        <a:shade val="80000"/>
+      </a:schemeClr>
     </dgm:linClrLst>
     <dgm:effectClrLst/>
     <dgm:txLinClrLst/>
-    <dgm:txFillClrLst/>
+    <dgm:txFillClrLst meth="repeat">
+      <a:schemeClr val="dk1"/>
+    </dgm:txFillClrLst>
     <dgm:txEffectClrLst/>
   </dgm:styleLbl>
   <dgm:styleLbl name="node1">
-    <dgm:fillClrLst>
-      <a:schemeClr val="accent5"/>
-      <a:schemeClr val="accent6"/>
+    <dgm:fillClrLst meth="repeat">
+      <a:schemeClr val="lt1"/>
     </dgm:fillClrLst>
     <dgm:linClrLst meth="repeat">
-      <a:schemeClr val="lt1"/>
+      <a:schemeClr val="dk1">
+        <a:shade val="80000"/>
+      </a:schemeClr>
     </dgm:linClrLst>
     <dgm:effectClrLst/>
     <dgm:txLinClrLst/>
-    <dgm:txFillClrLst/>
+    <dgm:txFillClrLst meth="repeat">
+      <a:schemeClr val="dk1"/>
+    </dgm:txFillClrLst>
     <dgm:txEffectClrLst/>
   </dgm:styleLbl>
   <dgm:styleLbl name="alignNode1">
-    <dgm:fillClrLst>
-      <a:schemeClr val="accent5"/>
-      <a:schemeClr val="accent6"/>
+    <dgm:fillClrLst meth="repeat">
+      <a:schemeClr val="lt1"/>
     </dgm:fillClrLst>
-    <dgm:linClrLst>
-      <a:schemeClr val="accent5"/>
-      <a:schemeClr val="accent6"/>
+    <dgm:linClrLst meth="repeat">
+      <a:schemeClr val="dk1">
+        <a:shade val="80000"/>
+      </a:schemeClr>
     </dgm:linClrLst>
     <dgm:effectClrLst/>
     <dgm:txLinClrLst/>
-    <dgm:txFillClrLst/>
+    <dgm:txFillClrLst meth="repeat">
+      <a:schemeClr val="dk1"/>
+    </dgm:txFillClrLst>
     <dgm:txEffectClrLst/>
   </dgm:styleLbl>
   <dgm:styleLbl name="lnNode1">
-    <dgm:fillClrLst>
-      <a:schemeClr val="accent5"/>
-      <a:schemeClr val="accent6"/>
+    <dgm:fillClrLst meth="repeat">
+      <a:schemeClr val="lt1"/>
     </dgm:fillClrLst>
     <dgm:linClrLst meth="repeat">
-      <a:schemeClr val="lt1"/>
+      <a:schemeClr val="dk1">
+        <a:shade val="80000"/>
+      </a:schemeClr>
     </dgm:linClrLst>
     <dgm:effectClrLst/>
     <dgm:txLinClrLst/>
-    <dgm:txFillClrLst/>
+    <dgm:txFillClrLst meth="repeat">
+      <a:schemeClr val="dk1"/>
+    </dgm:txFillClrLst>
     <dgm:txEffectClrLst/>
   </dgm:styleLbl>
   <dgm:styleLbl name="vennNode1">
-    <dgm:fillClrLst>
-      <a:schemeClr val="accent5">
-        <a:alpha val="50000"/>
-      </a:schemeClr>
-      <a:schemeClr val="accent6">
+    <dgm:fillClrLst meth="repeat">
+      <a:schemeClr val="lt1">
         <a:alpha val="50000"/>
       </a:schemeClr>
     </dgm:fillClrLst>
     <dgm:linClrLst meth="repeat">
-      <a:schemeClr val="lt1"/>
+      <a:schemeClr val="dk1">
+        <a:shade val="80000"/>
+      </a:schemeClr>
     </dgm:linClrLst>
     <dgm:effectClrLst/>
     <dgm:txLinClrLst/>
@@ -214,52 +225,63 @@
     <dgm:txEffectClrLst/>
   </dgm:styleLbl>
   <dgm:styleLbl name="node2">
-    <dgm:fillClrLst>
-      <a:schemeClr val="accent6"/>
+    <dgm:fillClrLst meth="repeat">
+      <a:schemeClr val="lt1"/>
     </dgm:fillClrLst>
     <dgm:linClrLst meth="repeat">
-      <a:schemeClr val="lt1"/>
+      <a:schemeClr val="dk1">
+        <a:shade val="80000"/>
+      </a:schemeClr>
     </dgm:linClrLst>
     <dgm:effectClrLst/>
     <dgm:txLinClrLst/>
-    <dgm:txFillClrLst/>
+    <dgm:txFillClrLst meth="repeat">
+      <a:schemeClr val="dk1"/>
+    </dgm:txFillClrLst>
     <dgm:txEffectClrLst/>
   </dgm:styleLbl>
   <dgm:styleLbl name="node3">
-    <dgm:fillClrLst>
-      <a:schemeClr val="accent1"/>
+    <dgm:fillClrLst meth="repeat">
+      <a:schemeClr val="lt1"/>
     </dgm:fillClrLst>
     <dgm:linClrLst meth="repeat">
-      <a:schemeClr val="lt1"/>
+      <a:schemeClr val="dk1">
+        <a:shade val="80000"/>
+      </a:schemeClr>
     </dgm:linClrLst>
     <dgm:effectClrLst/>
     <dgm:txLinClrLst/>
-    <dgm:txFillClrLst/>
+    <dgm:txFillClrLst meth="repeat">
+      <a:schemeClr val="dk1"/>
+    </dgm:txFillClrLst>
     <dgm:txEffectClrLst/>
   </dgm:styleLbl>
   <dgm:styleLbl name="node4">
-    <dgm:fillClrLst>
-      <a:schemeClr val="accent2"/>
+    <dgm:fillClrLst meth="repeat">
+      <a:schemeClr val="lt1"/>
     </dgm:fillClrLst>
     <dgm:linClrLst meth="repeat">
-      <a:schemeClr val="lt1"/>
+      <a:schemeClr val="dk1">
+        <a:shade val="80000"/>
+      </a:schemeClr>
     </dgm:linClrLst>
     <dgm:effectClrLst/>
     <dgm:txLinClrLst/>
-    <dgm:txFillClrLst/>
+    <dgm:txFillClrLst meth="repeat">
+      <a:schemeClr val="dk1"/>
+    </dgm:txFillClrLst>
     <dgm:txEffectClrLst/>
   </dgm:styleLbl>
   <dgm:styleLbl name="fgImgPlace1">
-    <dgm:fillClrLst>
-      <a:schemeClr val="accent5">
-        <a:tint val="50000"/>
-      </a:schemeClr>
-      <a:schemeClr val="accent6">
-        <a:tint val="50000"/>
+    <dgm:fillClrLst meth="repeat">
+      <a:schemeClr val="dk1">
+        <a:tint val="40000"/>
       </a:schemeClr>
     </dgm:fillClrLst>
     <dgm:linClrLst meth="repeat">
-      <a:schemeClr val="lt1"/>
+      <a:schemeClr val="dk1">
+        <a:shade val="80000"/>
+      </a:schemeClr>
     </dgm:linClrLst>
     <dgm:effectClrLst/>
     <dgm:txLinClrLst/>
@@ -269,16 +291,15 @@
     <dgm:txEffectClrLst/>
   </dgm:styleLbl>
   <dgm:styleLbl name="alignImgPlace1">
-    <dgm:fillClrLst>
-      <a:schemeClr val="accent5">
-        <a:tint val="50000"/>
-      </a:schemeClr>
-      <a:schemeClr val="accent6">
-        <a:tint val="20000"/>
+    <dgm:fillClrLst meth="repeat">
+      <a:schemeClr val="dk1">
+        <a:tint val="40000"/>
       </a:schemeClr>
     </dgm:fillClrLst>
     <dgm:linClrLst meth="repeat">
-      <a:schemeClr val="lt1"/>
+      <a:schemeClr val="dk1">
+        <a:shade val="80000"/>
+      </a:schemeClr>
     </dgm:linClrLst>
     <dgm:effectClrLst/>
     <dgm:txLinClrLst/>
@@ -288,16 +309,15 @@
     <dgm:txEffectClrLst/>
   </dgm:styleLbl>
   <dgm:styleLbl name="bgImgPlace1">
-    <dgm:fillClrLst>
-      <a:schemeClr val="accent5">
-        <a:tint val="50000"/>
-      </a:schemeClr>
-      <a:schemeClr val="accent6">
-        <a:tint val="20000"/>
+    <dgm:fillClrLst meth="repeat">
+      <a:schemeClr val="dk1">
+        <a:tint val="40000"/>
       </a:schemeClr>
     </dgm:fillClrLst>
     <dgm:linClrLst meth="repeat">
-      <a:schemeClr val="lt1"/>
+      <a:schemeClr val="dk1">
+        <a:shade val="80000"/>
+      </a:schemeClr>
     </dgm:linClrLst>
     <dgm:effectClrLst/>
     <dgm:txLinClrLst/>
@@ -307,53 +327,65 @@
     <dgm:txEffectClrLst/>
   </dgm:styleLbl>
   <dgm:styleLbl name="sibTrans2D1">
-    <dgm:fillClrLst>
-      <a:schemeClr val="accent5"/>
-      <a:schemeClr val="accent6"/>
+    <dgm:fillClrLst meth="repeat">
+      <a:schemeClr val="dk1">
+        <a:tint val="60000"/>
+      </a:schemeClr>
     </dgm:fillClrLst>
     <dgm:linClrLst meth="repeat">
-      <a:schemeClr val="lt1"/>
-    </dgm:linClrLst>
-    <dgm:effectClrLst/>
-    <dgm:txLinClrLst/>
-    <dgm:txFillClrLst/>
-    <dgm:txEffectClrLst/>
-  </dgm:styleLbl>
-  <dgm:styleLbl name="fgSibTrans2D1">
-    <dgm:fillClrLst>
-      <a:schemeClr val="accent5"/>
-      <a:schemeClr val="accent6"/>
-    </dgm:fillClrLst>
-    <dgm:linClrLst meth="repeat">
-      <a:schemeClr val="lt1"/>
+      <a:schemeClr val="dk1">
+        <a:tint val="60000"/>
+      </a:schemeClr>
     </dgm:linClrLst>
     <dgm:effectClrLst/>
     <dgm:txLinClrLst/>
     <dgm:txFillClrLst meth="repeat">
-      <a:schemeClr val="lt1"/>
+      <a:schemeClr val="dk1"/>
+    </dgm:txFillClrLst>
+    <dgm:txEffectClrLst/>
+  </dgm:styleLbl>
+  <dgm:styleLbl name="fgSibTrans2D1">
+    <dgm:fillClrLst meth="repeat">
+      <a:schemeClr val="dk1">
+        <a:tint val="60000"/>
+      </a:schemeClr>
+    </dgm:fillClrLst>
+    <dgm:linClrLst meth="repeat">
+      <a:schemeClr val="dk1">
+        <a:tint val="60000"/>
+      </a:schemeClr>
+    </dgm:linClrLst>
+    <dgm:effectClrLst/>
+    <dgm:txLinClrLst/>
+    <dgm:txFillClrLst meth="repeat">
+      <a:schemeClr val="dk1"/>
     </dgm:txFillClrLst>
     <dgm:txEffectClrLst/>
   </dgm:styleLbl>
   <dgm:styleLbl name="bgSibTrans2D1">
-    <dgm:fillClrLst>
-      <a:schemeClr val="accent5"/>
-      <a:schemeClr val="accent6"/>
+    <dgm:fillClrLst meth="repeat">
+      <a:schemeClr val="dk1">
+        <a:tint val="60000"/>
+      </a:schemeClr>
     </dgm:fillClrLst>
     <dgm:linClrLst meth="repeat">
-      <a:schemeClr val="lt1"/>
+      <a:schemeClr val="dk1">
+        <a:tint val="60000"/>
+      </a:schemeClr>
     </dgm:linClrLst>
     <dgm:effectClrLst/>
     <dgm:txLinClrLst/>
     <dgm:txFillClrLst meth="repeat">
-      <a:schemeClr val="lt1"/>
+      <a:schemeClr val="dk1"/>
     </dgm:txFillClrLst>
     <dgm:txEffectClrLst/>
   </dgm:styleLbl>
   <dgm:styleLbl name="sibTrans1D1">
-    <dgm:fillClrLst/>
-    <dgm:linClrLst>
-      <a:schemeClr val="accent5"/>
-      <a:schemeClr val="accent6"/>
+    <dgm:fillClrLst meth="repeat">
+      <a:schemeClr val="dk1"/>
+    </dgm:fillClrLst>
+    <dgm:linClrLst meth="repeat">
+      <a:schemeClr val="dk1"/>
     </dgm:linClrLst>
     <dgm:effectClrLst/>
     <dgm:txLinClrLst/>
@@ -364,12 +396,10 @@
   </dgm:styleLbl>
   <dgm:styleLbl name="callout">
     <dgm:fillClrLst meth="repeat">
-      <a:schemeClr val="accent5"/>
+      <a:schemeClr val="dk1"/>
     </dgm:fillClrLst>
     <dgm:linClrLst meth="repeat">
-      <a:schemeClr val="accent5">
-        <a:tint val="50000"/>
-      </a:schemeClr>
+      <a:schemeClr val="dk1"/>
     </dgm:linClrLst>
     <dgm:effectClrLst/>
     <dgm:txLinClrLst/>
@@ -380,11 +410,93 @@
   </dgm:styleLbl>
   <dgm:styleLbl name="asst0">
     <dgm:fillClrLst meth="repeat">
-      <a:schemeClr val="accent5"/>
+      <a:schemeClr val="lt1"/>
     </dgm:fillClrLst>
     <dgm:linClrLst meth="repeat">
-      <a:schemeClr val="lt1">
+      <a:schemeClr val="dk1">
         <a:shade val="80000"/>
+      </a:schemeClr>
+    </dgm:linClrLst>
+    <dgm:effectClrLst/>
+    <dgm:txLinClrLst/>
+    <dgm:txFillClrLst meth="repeat">
+      <a:schemeClr val="dk1"/>
+    </dgm:txFillClrLst>
+    <dgm:txEffectClrLst/>
+  </dgm:styleLbl>
+  <dgm:styleLbl name="asst1">
+    <dgm:fillClrLst meth="repeat">
+      <a:schemeClr val="lt1"/>
+    </dgm:fillClrLst>
+    <dgm:linClrLst meth="repeat">
+      <a:schemeClr val="dk1">
+        <a:shade val="80000"/>
+      </a:schemeClr>
+    </dgm:linClrLst>
+    <dgm:effectClrLst/>
+    <dgm:txLinClrLst/>
+    <dgm:txFillClrLst meth="repeat">
+      <a:schemeClr val="dk1"/>
+    </dgm:txFillClrLst>
+    <dgm:txEffectClrLst/>
+  </dgm:styleLbl>
+  <dgm:styleLbl name="asst2">
+    <dgm:fillClrLst meth="repeat">
+      <a:schemeClr val="lt1"/>
+    </dgm:fillClrLst>
+    <dgm:linClrLst meth="repeat">
+      <a:schemeClr val="dk1">
+        <a:shade val="80000"/>
+      </a:schemeClr>
+    </dgm:linClrLst>
+    <dgm:effectClrLst/>
+    <dgm:txLinClrLst/>
+    <dgm:txFillClrLst meth="repeat">
+      <a:schemeClr val="dk1"/>
+    </dgm:txFillClrLst>
+    <dgm:txEffectClrLst/>
+  </dgm:styleLbl>
+  <dgm:styleLbl name="asst3">
+    <dgm:fillClrLst meth="repeat">
+      <a:schemeClr val="lt1"/>
+    </dgm:fillClrLst>
+    <dgm:linClrLst meth="repeat">
+      <a:schemeClr val="dk1">
+        <a:shade val="80000"/>
+      </a:schemeClr>
+    </dgm:linClrLst>
+    <dgm:effectClrLst/>
+    <dgm:txLinClrLst/>
+    <dgm:txFillClrLst meth="repeat">
+      <a:schemeClr val="dk1"/>
+    </dgm:txFillClrLst>
+    <dgm:txEffectClrLst/>
+  </dgm:styleLbl>
+  <dgm:styleLbl name="asst4">
+    <dgm:fillClrLst meth="repeat">
+      <a:schemeClr val="lt1"/>
+    </dgm:fillClrLst>
+    <dgm:linClrLst meth="repeat">
+      <a:schemeClr val="dk1">
+        <a:shade val="80000"/>
+      </a:schemeClr>
+    </dgm:linClrLst>
+    <dgm:effectClrLst/>
+    <dgm:txLinClrLst/>
+    <dgm:txFillClrLst meth="repeat">
+      <a:schemeClr val="dk1"/>
+    </dgm:txFillClrLst>
+    <dgm:txEffectClrLst/>
+  </dgm:styleLbl>
+  <dgm:styleLbl name="parChTrans2D1">
+    <dgm:fillClrLst meth="repeat">
+      <a:schemeClr val="dk1">
+        <a:tint val="60000"/>
+      </a:schemeClr>
+    </dgm:fillClrLst>
+    <dgm:linClrLst meth="repeat">
+      <a:schemeClr val="dk1">
+        <a:tint val="60000"/>
       </a:schemeClr>
     </dgm:linClrLst>
     <dgm:effectClrLst/>
@@ -392,76 +504,12 @@
     <dgm:txFillClrLst/>
     <dgm:txEffectClrLst/>
   </dgm:styleLbl>
-  <dgm:styleLbl name="asst1">
+  <dgm:styleLbl name="parChTrans2D2">
     <dgm:fillClrLst meth="repeat">
-      <a:schemeClr val="accent6"/>
+      <a:schemeClr val="dk1"/>
     </dgm:fillClrLst>
     <dgm:linClrLst meth="repeat">
-      <a:schemeClr val="lt1">
-        <a:shade val="80000"/>
-      </a:schemeClr>
-    </dgm:linClrLst>
-    <dgm:effectClrLst/>
-    <dgm:txLinClrLst/>
-    <dgm:txFillClrLst/>
-    <dgm:txEffectClrLst/>
-  </dgm:styleLbl>
-  <dgm:styleLbl name="asst2">
-    <dgm:fillClrLst>
-      <a:schemeClr val="accent1"/>
-    </dgm:fillClrLst>
-    <dgm:linClrLst meth="repeat">
-      <a:schemeClr val="lt1"/>
-    </dgm:linClrLst>
-    <dgm:effectClrLst/>
-    <dgm:txLinClrLst/>
-    <dgm:txFillClrLst/>
-    <dgm:txEffectClrLst/>
-  </dgm:styleLbl>
-  <dgm:styleLbl name="asst3">
-    <dgm:fillClrLst>
-      <a:schemeClr val="accent2"/>
-    </dgm:fillClrLst>
-    <dgm:linClrLst meth="repeat">
-      <a:schemeClr val="lt1"/>
-    </dgm:linClrLst>
-    <dgm:effectClrLst/>
-    <dgm:txLinClrLst/>
-    <dgm:txFillClrLst/>
-    <dgm:txEffectClrLst/>
-  </dgm:styleLbl>
-  <dgm:styleLbl name="asst4">
-    <dgm:fillClrLst>
-      <a:schemeClr val="accent3"/>
-    </dgm:fillClrLst>
-    <dgm:linClrLst meth="repeat">
-      <a:schemeClr val="lt1"/>
-    </dgm:linClrLst>
-    <dgm:effectClrLst/>
-    <dgm:txLinClrLst/>
-    <dgm:txFillClrLst/>
-    <dgm:txEffectClrLst/>
-  </dgm:styleLbl>
-  <dgm:styleLbl name="parChTrans2D1">
-    <dgm:fillClrLst meth="repeat">
-      <a:schemeClr val="accent5"/>
-    </dgm:fillClrLst>
-    <dgm:linClrLst meth="repeat">
-      <a:schemeClr val="lt1"/>
-    </dgm:linClrLst>
-    <dgm:effectClrLst/>
-    <dgm:txLinClrLst/>
-    <dgm:txFillClrLst meth="repeat">
-      <a:schemeClr val="lt1"/>
-    </dgm:txFillClrLst>
-    <dgm:txEffectClrLst/>
-  </dgm:styleLbl>
-  <dgm:styleLbl name="parChTrans2D2">
-    <dgm:fillClrLst meth="repeat">
-      <a:schemeClr val="accent6"/>
-    </dgm:fillClrLst>
-    <dgm:linClrLst meth="repeat">
-      <a:schemeClr val="lt1"/>
+      <a:schemeClr val="dk1"/>
     </dgm:linClrLst>
     <dgm:effectClrLst/>
     <dgm:txLinClrLst/>
@@ -470,10 +518,10 @@
   </dgm:styleLbl>
   <dgm:styleLbl name="parChTrans2D3">
     <dgm:fillClrLst meth="repeat">
-      <a:schemeClr val="accent6"/>
+      <a:schemeClr val="dk1"/>
     </dgm:fillClrLst>
     <dgm:linClrLst meth="repeat">
-      <a:schemeClr val="lt1"/>
+      <a:schemeClr val="dk1"/>
     </dgm:linClrLst>
     <dgm:effectClrLst/>
     <dgm:txLinClrLst/>
@@ -482,10 +530,10 @@
   </dgm:styleLbl>
   <dgm:styleLbl name="parChTrans2D4">
     <dgm:fillClrLst meth="repeat">
-      <a:schemeClr val="accent1"/>
+      <a:schemeClr val="dk1"/>
     </dgm:fillClrLst>
     <dgm:linClrLst meth="repeat">
-      <a:schemeClr val="lt1"/>
+      <a:schemeClr val="dk1"/>
     </dgm:linClrLst>
     <dgm:effectClrLst/>
     <dgm:txLinClrLst/>
@@ -496,10 +544,12 @@
   </dgm:styleLbl>
   <dgm:styleLbl name="parChTrans1D1">
     <dgm:fillClrLst meth="repeat">
-      <a:schemeClr val="accent5"/>
+      <a:schemeClr val="dk1"/>
     </dgm:fillClrLst>
     <dgm:linClrLst meth="repeat">
-      <a:schemeClr val="accent5"/>
+      <a:schemeClr val="dk1">
+        <a:shade val="60000"/>
+      </a:schemeClr>
     </dgm:linClrLst>
     <dgm:effectClrLst/>
     <dgm:txLinClrLst/>
@@ -510,12 +560,12 @@
   </dgm:styleLbl>
   <dgm:styleLbl name="parChTrans1D2">
     <dgm:fillClrLst meth="repeat">
-      <a:schemeClr val="accent6">
-        <a:tint val="90000"/>
-      </a:schemeClr>
+      <a:schemeClr val="dk1"/>
     </dgm:fillClrLst>
     <dgm:linClrLst meth="repeat">
-      <a:schemeClr val="accent6"/>
+      <a:schemeClr val="dk1">
+        <a:shade val="60000"/>
+      </a:schemeClr>
     </dgm:linClrLst>
     <dgm:effectClrLst/>
     <dgm:txLinClrLst/>
@@ -526,12 +576,12 @@
   </dgm:styleLbl>
   <dgm:styleLbl name="parChTrans1D3">
     <dgm:fillClrLst meth="repeat">
-      <a:schemeClr val="accent6">
-        <a:tint val="70000"/>
-      </a:schemeClr>
+      <a:schemeClr val="dk1"/>
     </dgm:fillClrLst>
     <dgm:linClrLst meth="repeat">
-      <a:schemeClr val="accent1"/>
+      <a:schemeClr val="dk1">
+        <a:shade val="80000"/>
+      </a:schemeClr>
     </dgm:linClrLst>
     <dgm:effectClrLst/>
     <dgm:txLinClrLst/>
@@ -542,12 +592,12 @@
   </dgm:styleLbl>
   <dgm:styleLbl name="parChTrans1D4">
     <dgm:fillClrLst meth="repeat">
-      <a:schemeClr val="accent6">
-        <a:tint val="50000"/>
-      </a:schemeClr>
+      <a:schemeClr val="dk1"/>
     </dgm:fillClrLst>
     <dgm:linClrLst meth="repeat">
-      <a:schemeClr val="accent2"/>
+      <a:schemeClr val="dk1">
+        <a:shade val="80000"/>
+      </a:schemeClr>
     </dgm:linClrLst>
     <dgm:effectClrLst/>
     <dgm:txLinClrLst/>
@@ -558,13 +608,13 @@
   </dgm:styleLbl>
   <dgm:styleLbl name="fgAcc1">
     <dgm:fillClrLst meth="repeat">
-      <a:schemeClr val="lt1">
+      <a:schemeClr val="dk1">
         <a:alpha val="90000"/>
+        <a:tint val="40000"/>
       </a:schemeClr>
     </dgm:fillClrLst>
-    <dgm:linClrLst>
-      <a:schemeClr val="accent5"/>
-      <a:schemeClr val="accent6"/>
+    <dgm:linClrLst meth="repeat">
+      <a:schemeClr val="dk1"/>
     </dgm:linClrLst>
     <dgm:effectClrLst/>
     <dgm:txLinClrLst/>
@@ -575,13 +625,13 @@
   </dgm:styleLbl>
   <dgm:styleLbl name="conFgAcc1">
     <dgm:fillClrLst meth="repeat">
-      <a:schemeClr val="lt1">
+      <a:schemeClr val="dk1">
         <a:alpha val="90000"/>
+        <a:tint val="40000"/>
       </a:schemeClr>
     </dgm:fillClrLst>
-    <dgm:linClrLst>
-      <a:schemeClr val="accent5"/>
-      <a:schemeClr val="accent6"/>
+    <dgm:linClrLst meth="repeat">
+      <a:schemeClr val="dk1"/>
     </dgm:linClrLst>
     <dgm:effectClrLst/>
     <dgm:txLinClrLst/>
@@ -592,13 +642,13 @@
   </dgm:styleLbl>
   <dgm:styleLbl name="alignAcc1">
     <dgm:fillClrLst meth="repeat">
-      <a:schemeClr val="lt1">
+      <a:schemeClr val="dk1">
         <a:alpha val="90000"/>
+        <a:tint val="40000"/>
       </a:schemeClr>
     </dgm:fillClrLst>
-    <dgm:linClrLst>
-      <a:schemeClr val="accent5"/>
-      <a:schemeClr val="accent6"/>
+    <dgm:linClrLst meth="repeat">
+      <a:schemeClr val="dk1"/>
     </dgm:linClrLst>
     <dgm:effectClrLst/>
     <dgm:txLinClrLst/>
@@ -609,12 +659,13 @@
   </dgm:styleLbl>
   <dgm:styleLbl name="trAlignAcc1">
     <dgm:fillClrLst meth="repeat">
-      <a:schemeClr val="lt1">
+      <a:schemeClr val="dk1">
         <a:alpha val="40000"/>
+        <a:tint val="40000"/>
       </a:schemeClr>
     </dgm:fillClrLst>
     <dgm:linClrLst meth="repeat">
-      <a:schemeClr val="accent5"/>
+      <a:schemeClr val="dk1"/>
     </dgm:linClrLst>
     <dgm:effectClrLst/>
     <dgm:txLinClrLst/>
@@ -625,13 +676,13 @@
   </dgm:styleLbl>
   <dgm:styleLbl name="bgAcc1">
     <dgm:fillClrLst meth="repeat">
-      <a:schemeClr val="lt1">
+      <a:schemeClr val="dk1">
         <a:alpha val="90000"/>
+        <a:tint val="40000"/>
       </a:schemeClr>
     </dgm:fillClrLst>
-    <dgm:linClrLst>
-      <a:schemeClr val="accent5"/>
-      <a:schemeClr val="accent6"/>
+    <dgm:linClrLst meth="repeat">
+      <a:schemeClr val="dk1"/>
     </dgm:linClrLst>
     <dgm:effectClrLst/>
     <dgm:txLinClrLst/>
@@ -644,9 +695,8 @@
     <dgm:fillClrLst meth="repeat">
       <a:schemeClr val="lt1"/>
     </dgm:fillClrLst>
-    <dgm:linClrLst>
-      <a:schemeClr val="accent5"/>
-      <a:schemeClr val="accent6"/>
+    <dgm:linClrLst meth="repeat">
+      <a:schemeClr val="dk1"/>
     </dgm:linClrLst>
     <dgm:effectClrLst/>
     <dgm:txLinClrLst/>
@@ -659,9 +709,8 @@
     <dgm:fillClrLst meth="repeat">
       <a:schemeClr val="lt1"/>
     </dgm:fillClrLst>
-    <dgm:linClrLst>
-      <a:schemeClr val="accent5"/>
-      <a:schemeClr val="accent6"/>
+    <dgm:linClrLst meth="repeat">
+      <a:schemeClr val="dk1"/>
     </dgm:linClrLst>
     <dgm:effectClrLst/>
     <dgm:txLinClrLst/>
@@ -674,9 +723,8 @@
     <dgm:fillClrLst meth="repeat">
       <a:schemeClr val="lt1"/>
     </dgm:fillClrLst>
-    <dgm:linClrLst>
-      <a:schemeClr val="accent5"/>
-      <a:schemeClr val="accent6"/>
+    <dgm:linClrLst meth="repeat">
+      <a:schemeClr val="dk1"/>
     </dgm:linClrLst>
     <dgm:effectClrLst/>
     <dgm:txLinClrLst/>
@@ -686,23 +734,14 @@
     <dgm:txEffectClrLst/>
   </dgm:styleLbl>
   <dgm:styleLbl name="fgAccFollowNode1">
-    <dgm:fillClrLst>
-      <a:schemeClr val="accent5">
+    <dgm:fillClrLst meth="repeat">
+      <a:schemeClr val="lt1">
+        <a:alpha val="90000"/>
         <a:tint val="40000"/>
-        <a:alpha val="90000"/>
-      </a:schemeClr>
-      <a:schemeClr val="accent6">
-        <a:tint val="40000"/>
-        <a:alpha val="90000"/>
       </a:schemeClr>
     </dgm:fillClrLst>
-    <dgm:linClrLst>
-      <a:schemeClr val="accent5">
-        <a:tint val="40000"/>
-        <a:alpha val="90000"/>
-      </a:schemeClr>
-      <a:schemeClr val="accent5">
-        <a:tint val="40000"/>
+    <dgm:linClrLst meth="repeat">
+      <a:schemeClr val="dk1">
         <a:alpha val="90000"/>
       </a:schemeClr>
     </dgm:linClrLst>
@@ -714,23 +753,14 @@
     <dgm:txEffectClrLst/>
   </dgm:styleLbl>
   <dgm:styleLbl name="alignAccFollowNode1">
-    <dgm:fillClrLst>
-      <a:schemeClr val="accent5">
+    <dgm:fillClrLst meth="repeat">
+      <a:schemeClr val="lt1">
+        <a:alpha val="90000"/>
         <a:tint val="40000"/>
-        <a:alpha val="90000"/>
-      </a:schemeClr>
-      <a:schemeClr val="accent6">
-        <a:tint val="40000"/>
-        <a:alpha val="90000"/>
       </a:schemeClr>
     </dgm:fillClrLst>
-    <dgm:linClrLst>
-      <a:schemeClr val="accent5">
-        <a:tint val="40000"/>
-        <a:alpha val="90000"/>
-      </a:schemeClr>
-      <a:schemeClr val="accent6">
-        <a:tint val="40000"/>
+    <dgm:linClrLst meth="repeat">
+      <a:schemeClr val="dk1">
         <a:alpha val="90000"/>
       </a:schemeClr>
     </dgm:linClrLst>
@@ -742,23 +772,14 @@
     <dgm:txEffectClrLst/>
   </dgm:styleLbl>
   <dgm:styleLbl name="bgAccFollowNode1">
-    <dgm:fillClrLst>
-      <a:schemeClr val="accent5">
+    <dgm:fillClrLst meth="repeat">
+      <a:schemeClr val="lt1">
+        <a:alpha val="90000"/>
         <a:tint val="40000"/>
-        <a:alpha val="90000"/>
-      </a:schemeClr>
-      <a:schemeClr val="accent6">
-        <a:tint val="40000"/>
-        <a:alpha val="90000"/>
       </a:schemeClr>
     </dgm:fillClrLst>
-    <dgm:linClrLst>
-      <a:schemeClr val="accent5">
-        <a:tint val="40000"/>
-        <a:alpha val="90000"/>
-      </a:schemeClr>
-      <a:schemeClr val="accent6">
-        <a:tint val="40000"/>
+    <dgm:linClrLst meth="repeat">
+      <a:schemeClr val="dk1">
         <a:alpha val="90000"/>
       </a:schemeClr>
     </dgm:linClrLst>
@@ -771,12 +792,13 @@
   </dgm:styleLbl>
   <dgm:styleLbl name="fgAcc0">
     <dgm:fillClrLst meth="repeat">
-      <a:schemeClr val="lt1">
+      <a:schemeClr val="dk1">
         <a:alpha val="90000"/>
+        <a:tint val="40000"/>
       </a:schemeClr>
     </dgm:fillClrLst>
-    <dgm:linClrLst>
-      <a:schemeClr val="accent4"/>
+    <dgm:linClrLst meth="repeat">
+      <a:schemeClr val="dk1"/>
     </dgm:linClrLst>
     <dgm:effectClrLst/>
     <dgm:txLinClrLst/>
@@ -787,12 +809,13 @@
   </dgm:styleLbl>
   <dgm:styleLbl name="fgAcc2">
     <dgm:fillClrLst meth="repeat">
-      <a:schemeClr val="lt1">
+      <a:schemeClr val="dk1">
         <a:alpha val="90000"/>
+        <a:tint val="40000"/>
       </a:schemeClr>
     </dgm:fillClrLst>
-    <dgm:linClrLst>
-      <a:schemeClr val="accent6"/>
+    <dgm:linClrLst meth="repeat">
+      <a:schemeClr val="dk1"/>
     </dgm:linClrLst>
     <dgm:effectClrLst/>
     <dgm:txLinClrLst/>
@@ -803,12 +826,13 @@
   </dgm:styleLbl>
   <dgm:styleLbl name="fgAcc3">
     <dgm:fillClrLst meth="repeat">
-      <a:schemeClr val="lt1">
+      <a:schemeClr val="dk1">
         <a:alpha val="90000"/>
+        <a:tint val="40000"/>
       </a:schemeClr>
     </dgm:fillClrLst>
-    <dgm:linClrLst>
-      <a:schemeClr val="accent1"/>
+    <dgm:linClrLst meth="repeat">
+      <a:schemeClr val="dk1"/>
     </dgm:linClrLst>
     <dgm:effectClrLst/>
     <dgm:txLinClrLst/>
@@ -819,12 +843,13 @@
   </dgm:styleLbl>
   <dgm:styleLbl name="fgAcc4">
     <dgm:fillClrLst meth="repeat">
-      <a:schemeClr val="lt1">
+      <a:schemeClr val="dk1">
         <a:alpha val="90000"/>
+        <a:tint val="40000"/>
       </a:schemeClr>
     </dgm:fillClrLst>
-    <dgm:linClrLst>
-      <a:schemeClr val="accent2"/>
+    <dgm:linClrLst meth="repeat">
+      <a:schemeClr val="dk1"/>
     </dgm:linClrLst>
     <dgm:effectClrLst/>
     <dgm:txLinClrLst/>
@@ -835,7 +860,7 @@
   </dgm:styleLbl>
   <dgm:styleLbl name="bgShp">
     <dgm:fillClrLst meth="repeat">
-      <a:schemeClr val="accent5">
+      <a:schemeClr val="dk1">
         <a:tint val="40000"/>
       </a:schemeClr>
     </dgm:fillClrLst>
@@ -851,8 +876,8 @@
   </dgm:styleLbl>
   <dgm:styleLbl name="dkBgShp">
     <dgm:fillClrLst meth="repeat">
-      <a:schemeClr val="accent5">
-        <a:shade val="90000"/>
+      <a:schemeClr val="dk1">
+        <a:shade val="80000"/>
       </a:schemeClr>
     </dgm:fillClrLst>
     <dgm:linClrLst meth="repeat">
@@ -867,13 +892,13 @@
   </dgm:styleLbl>
   <dgm:styleLbl name="trBgShp">
     <dgm:fillClrLst meth="repeat">
-      <a:schemeClr val="accent5">
+      <a:schemeClr val="dk1">
         <a:tint val="50000"/>
         <a:alpha val="40000"/>
       </a:schemeClr>
     </dgm:fillClrLst>
     <dgm:linClrLst meth="repeat">
-      <a:schemeClr val="accent5"/>
+      <a:schemeClr val="dk1"/>
     </dgm:linClrLst>
     <dgm:effectClrLst/>
     <dgm:txLinClrLst/>
@@ -884,8 +909,8 @@
   </dgm:styleLbl>
   <dgm:styleLbl name="fgShp">
     <dgm:fillClrLst meth="repeat">
-      <a:schemeClr val="accent5">
-        <a:tint val="40000"/>
+      <a:schemeClr val="dk1">
+        <a:tint val="60000"/>
       </a:schemeClr>
     </dgm:fillClrLst>
     <dgm:linClrLst meth="repeat">
@@ -923,7 +948,7 @@
 <dgm:dataModel xmlns:dgm="http://schemas.openxmlformats.org/drawingml/2006/diagram" xmlns:a="http://schemas.openxmlformats.org/drawingml/2006/main">
   <dgm:ptLst>
     <dgm:pt modelId="{5DBE3B38-5B9F-4017-AA43-49F655639B59}" type="doc">
-      <dgm:prSet loTypeId="urn:microsoft.com/office/officeart/2005/8/layout/hierarchy4" loCatId="list" qsTypeId="urn:microsoft.com/office/officeart/2005/8/quickstyle/simple4" qsCatId="simple" csTypeId="urn:microsoft.com/office/officeart/2005/8/colors/colorful5" csCatId="colorful" phldr="1"/>
+      <dgm:prSet loTypeId="urn:microsoft.com/office/officeart/2005/8/layout/hierarchy4" loCatId="list" qsTypeId="urn:microsoft.com/office/officeart/2005/8/quickstyle/simple4" qsCatId="simple" csTypeId="urn:microsoft.com/office/officeart/2005/8/colors/accent0_1" csCatId="mainScheme" phldr="1"/>
       <dgm:spPr/>
       <dgm:t>
         <a:bodyPr/>
@@ -942,9 +967,6 @@
         <a:p>
           <a:r>
             <a:rPr lang="en-US" sz="4000">
-              <a:solidFill>
-                <a:schemeClr val="tx1"/>
-              </a:solidFill>
               <a:latin typeface="Open Sans" pitchFamily="2" charset="0"/>
               <a:ea typeface="Open Sans" pitchFamily="2" charset="0"/>
               <a:cs typeface="Open Sans" pitchFamily="2" charset="0"/>
@@ -952,9 +974,6 @@
             <a:t>Program</a:t>
           </a:r>
           <a:endParaRPr lang="ru-RU" sz="4000" dirty="0">
-            <a:solidFill>
-              <a:schemeClr val="tx1"/>
-            </a:solidFill>
             <a:latin typeface="Open Sans" pitchFamily="2" charset="0"/>
             <a:ea typeface="Open Sans" pitchFamily="2" charset="0"/>
             <a:cs typeface="Open Sans" pitchFamily="2" charset="0"/>
@@ -1006,42 +1025,14 @@
         <a:lstStyle/>
         <a:p>
           <a:r>
-            <a:rPr lang="en-US" sz="1800" dirty="0">
-              <a:solidFill>
-                <a:schemeClr val="tx1"/>
-              </a:solidFill>
+            <a:rPr lang="en-US" sz="1800">
               <a:latin typeface="Open Sans" pitchFamily="2" charset="0"/>
               <a:ea typeface="Open Sans" pitchFamily="2" charset="0"/>
               <a:cs typeface="Open Sans" pitchFamily="2" charset="0"/>
             </a:rPr>
-            <a:t>Create 'app' (</a:t>
-          </a:r>
-          <a:r>
-            <a:rPr lang="en-US" sz="1800" dirty="0" err="1">
-              <a:solidFill>
-                <a:schemeClr val="tx1"/>
-              </a:solidFill>
-              <a:latin typeface="Open Sans" pitchFamily="2" charset="0"/>
-              <a:ea typeface="Open Sans" pitchFamily="2" charset="0"/>
-              <a:cs typeface="Open Sans" pitchFamily="2" charset="0"/>
-            </a:rPr>
-            <a:t>CTk</a:t>
-          </a:r>
-          <a:r>
-            <a:rPr lang="en-US" sz="1800" dirty="0">
-              <a:solidFill>
-                <a:schemeClr val="tx1"/>
-              </a:solidFill>
-              <a:latin typeface="Open Sans" pitchFamily="2" charset="0"/>
-              <a:ea typeface="Open Sans" pitchFamily="2" charset="0"/>
-              <a:cs typeface="Open Sans" pitchFamily="2" charset="0"/>
-            </a:rPr>
-            <a:t>)</a:t>
+            <a:t>Create 'app' (CTk)</a:t>
           </a:r>
           <a:endParaRPr lang="ru-RU" sz="1800" dirty="0">
-            <a:solidFill>
-              <a:schemeClr val="tx1"/>
-            </a:solidFill>
             <a:latin typeface="Open Sans" pitchFamily="2" charset="0"/>
             <a:ea typeface="Open Sans" pitchFamily="2" charset="0"/>
             <a:cs typeface="Open Sans" pitchFamily="2" charset="0"/>
@@ -1093,42 +1084,14 @@
         <a:lstStyle/>
         <a:p>
           <a:r>
-            <a:rPr lang="en-US" sz="2400" dirty="0">
-              <a:solidFill>
-                <a:schemeClr val="tx1"/>
-              </a:solidFill>
+            <a:rPr lang="en-US" sz="2400">
               <a:latin typeface="Open Sans" pitchFamily="2" charset="0"/>
               <a:ea typeface="Open Sans" pitchFamily="2" charset="0"/>
               <a:cs typeface="Open Sans" pitchFamily="2" charset="0"/>
             </a:rPr>
-            <a:t>Create '</a:t>
-          </a:r>
-          <a:r>
-            <a:rPr lang="en-US" sz="2400" dirty="0" err="1">
-              <a:solidFill>
-                <a:schemeClr val="tx1"/>
-              </a:solidFill>
-              <a:latin typeface="Open Sans" pitchFamily="2" charset="0"/>
-              <a:ea typeface="Open Sans" pitchFamily="2" charset="0"/>
-              <a:cs typeface="Open Sans" pitchFamily="2" charset="0"/>
-            </a:rPr>
-            <a:t>MatrixCalculator</a:t>
-          </a:r>
-          <a:r>
-            <a:rPr lang="en-US" sz="2400" dirty="0">
-              <a:solidFill>
-                <a:schemeClr val="tx1"/>
-              </a:solidFill>
-              <a:latin typeface="Open Sans" pitchFamily="2" charset="0"/>
-              <a:ea typeface="Open Sans" pitchFamily="2" charset="0"/>
-              <a:cs typeface="Open Sans" pitchFamily="2" charset="0"/>
-            </a:rPr>
-            <a:t>'</a:t>
+            <a:t>Create 'MatrixCalculator'</a:t>
           </a:r>
           <a:endParaRPr lang="ru-RU" sz="2400" dirty="0">
-            <a:solidFill>
-              <a:schemeClr val="tx1"/>
-            </a:solidFill>
             <a:latin typeface="Open Sans" pitchFamily="2" charset="0"/>
             <a:ea typeface="Open Sans" pitchFamily="2" charset="0"/>
             <a:cs typeface="Open Sans" pitchFamily="2" charset="0"/>
@@ -1180,42 +1143,14 @@
         <a:lstStyle/>
         <a:p>
           <a:r>
-            <a:rPr lang="en-US" sz="1100" dirty="0">
-              <a:solidFill>
-                <a:schemeClr val="tx1"/>
-              </a:solidFill>
+            <a:rPr lang="en-US" sz="1100">
               <a:latin typeface="Open Sans" pitchFamily="2" charset="0"/>
               <a:ea typeface="Open Sans" pitchFamily="2" charset="0"/>
               <a:cs typeface="Open Sans" pitchFamily="2" charset="0"/>
             </a:rPr>
-            <a:t>Constructor (__</a:t>
-          </a:r>
-          <a:r>
-            <a:rPr lang="en-US" sz="1100" dirty="0" err="1">
-              <a:solidFill>
-                <a:schemeClr val="tx1"/>
-              </a:solidFill>
-              <a:latin typeface="Open Sans" pitchFamily="2" charset="0"/>
-              <a:ea typeface="Open Sans" pitchFamily="2" charset="0"/>
-              <a:cs typeface="Open Sans" pitchFamily="2" charset="0"/>
-            </a:rPr>
-            <a:t>init</a:t>
-          </a:r>
-          <a:r>
-            <a:rPr lang="en-US" sz="1100" dirty="0">
-              <a:solidFill>
-                <a:schemeClr val="tx1"/>
-              </a:solidFill>
-              <a:latin typeface="Open Sans" pitchFamily="2" charset="0"/>
-              <a:ea typeface="Open Sans" pitchFamily="2" charset="0"/>
-              <a:cs typeface="Open Sans" pitchFamily="2" charset="0"/>
-            </a:rPr>
-            <a:t>__)</a:t>
+            <a:t>Constructor (__init__)</a:t>
           </a:r>
           <a:endParaRPr lang="ru-RU" sz="1100" dirty="0">
-            <a:solidFill>
-              <a:schemeClr val="tx1"/>
-            </a:solidFill>
             <a:latin typeface="Open Sans" pitchFamily="2" charset="0"/>
             <a:ea typeface="Open Sans" pitchFamily="2" charset="0"/>
             <a:cs typeface="Open Sans" pitchFamily="2" charset="0"/>
@@ -1267,10 +1202,7 @@
         <a:lstStyle/>
         <a:p>
           <a:r>
-            <a:rPr lang="en-US" sz="1100" dirty="0" err="1">
-              <a:solidFill>
-                <a:schemeClr val="tx1"/>
-              </a:solidFill>
+            <a:rPr lang="en-US" sz="1100">
               <a:latin typeface="Open Sans" pitchFamily="2" charset="0"/>
               <a:ea typeface="Open Sans" pitchFamily="2" charset="0"/>
               <a:cs typeface="Open Sans" pitchFamily="2" charset="0"/>
@@ -1278,16 +1210,18 @@
             <a:t>gauss_elimination</a:t>
           </a:r>
           <a:r>
-            <a:rPr lang="ru-RU" sz="1100" dirty="0">
-              <a:solidFill>
-                <a:schemeClr val="tx1"/>
-              </a:solidFill>
+            <a:rPr lang="ru-RU" sz="1100">
               <a:latin typeface="Open Sans" pitchFamily="2" charset="0"/>
               <a:ea typeface="Open Sans" pitchFamily="2" charset="0"/>
               <a:cs typeface="Open Sans" pitchFamily="2" charset="0"/>
             </a:rPr>
             <a:t>()</a:t>
           </a:r>
+          <a:endParaRPr lang="ru-RU" sz="1100" dirty="0">
+            <a:latin typeface="Open Sans" pitchFamily="2" charset="0"/>
+            <a:ea typeface="Open Sans" pitchFamily="2" charset="0"/>
+            <a:cs typeface="Open Sans" pitchFamily="2" charset="0"/>
+          </a:endParaRPr>
         </a:p>
       </dgm:t>
     </dgm:pt>
@@ -1335,10 +1269,7 @@
         <a:lstStyle/>
         <a:p>
           <a:r>
-            <a:rPr lang="en-US" sz="1100" dirty="0" err="1">
-              <a:solidFill>
-                <a:schemeClr val="tx1"/>
-              </a:solidFill>
+            <a:rPr lang="en-US" sz="1100">
               <a:latin typeface="Open Sans" pitchFamily="2" charset="0"/>
               <a:ea typeface="Open Sans" pitchFamily="2" charset="0"/>
               <a:cs typeface="Open Sans" pitchFamily="2" charset="0"/>
@@ -1346,16 +1277,18 @@
             <a:t>is_valid_number</a:t>
           </a:r>
           <a:r>
-            <a:rPr lang="ru-RU" sz="1100" dirty="0">
-              <a:solidFill>
-                <a:schemeClr val="tx1"/>
-              </a:solidFill>
+            <a:rPr lang="ru-RU" sz="1100">
               <a:latin typeface="Open Sans" pitchFamily="2" charset="0"/>
               <a:ea typeface="Open Sans" pitchFamily="2" charset="0"/>
               <a:cs typeface="Open Sans" pitchFamily="2" charset="0"/>
             </a:rPr>
             <a:t>()</a:t>
           </a:r>
+          <a:endParaRPr lang="ru-RU" sz="1100" dirty="0">
+            <a:latin typeface="Open Sans" pitchFamily="2" charset="0"/>
+            <a:ea typeface="Open Sans" pitchFamily="2" charset="0"/>
+            <a:cs typeface="Open Sans" pitchFamily="2" charset="0"/>
+          </a:endParaRPr>
         </a:p>
       </dgm:t>
     </dgm:pt>
@@ -1403,10 +1336,7 @@
         <a:lstStyle/>
         <a:p>
           <a:r>
-            <a:rPr lang="en-US" sz="1100" dirty="0" err="1">
-              <a:solidFill>
-                <a:schemeClr val="tx1"/>
-              </a:solidFill>
+            <a:rPr lang="en-US" sz="1100">
               <a:latin typeface="Open Sans" pitchFamily="2" charset="0"/>
               <a:ea typeface="Open Sans" pitchFamily="2" charset="0"/>
               <a:cs typeface="Open Sans" pitchFamily="2" charset="0"/>
@@ -1414,16 +1344,18 @@
             <a:t>create_matrix_window</a:t>
           </a:r>
           <a:r>
-            <a:rPr lang="ru-RU" sz="1100" dirty="0">
-              <a:solidFill>
-                <a:schemeClr val="tx1"/>
-              </a:solidFill>
+            <a:rPr lang="ru-RU" sz="1100">
               <a:latin typeface="Open Sans" pitchFamily="2" charset="0"/>
               <a:ea typeface="Open Sans" pitchFamily="2" charset="0"/>
               <a:cs typeface="Open Sans" pitchFamily="2" charset="0"/>
             </a:rPr>
             <a:t>()</a:t>
           </a:r>
+          <a:endParaRPr lang="ru-RU" sz="1100" dirty="0">
+            <a:latin typeface="Open Sans" pitchFamily="2" charset="0"/>
+            <a:ea typeface="Open Sans" pitchFamily="2" charset="0"/>
+            <a:cs typeface="Open Sans" pitchFamily="2" charset="0"/>
+          </a:endParaRPr>
         </a:p>
       </dgm:t>
     </dgm:pt>
@@ -1471,10 +1403,7 @@
         <a:lstStyle/>
         <a:p>
           <a:r>
-            <a:rPr lang="en-US" sz="1100" dirty="0" err="1">
-              <a:solidFill>
-                <a:schemeClr val="tx1"/>
-              </a:solidFill>
+            <a:rPr lang="en-US" sz="1100">
               <a:latin typeface="Open Sans" pitchFamily="2" charset="0"/>
               <a:ea typeface="Open Sans" pitchFamily="2" charset="0"/>
               <a:cs typeface="Open Sans" pitchFamily="2" charset="0"/>
@@ -1482,16 +1411,18 @@
             <a:t>hide_matrix_window</a:t>
           </a:r>
           <a:r>
-            <a:rPr lang="ru-RU" sz="1100" dirty="0">
-              <a:solidFill>
-                <a:schemeClr val="tx1"/>
-              </a:solidFill>
+            <a:rPr lang="ru-RU" sz="1100">
               <a:latin typeface="Open Sans" pitchFamily="2" charset="0"/>
               <a:ea typeface="Open Sans" pitchFamily="2" charset="0"/>
               <a:cs typeface="Open Sans" pitchFamily="2" charset="0"/>
             </a:rPr>
             <a:t>()</a:t>
           </a:r>
+          <a:endParaRPr lang="ru-RU" sz="1100" dirty="0">
+            <a:latin typeface="Open Sans" pitchFamily="2" charset="0"/>
+            <a:ea typeface="Open Sans" pitchFamily="2" charset="0"/>
+            <a:cs typeface="Open Sans" pitchFamily="2" charset="0"/>
+          </a:endParaRPr>
         </a:p>
       </dgm:t>
     </dgm:pt>
@@ -1539,10 +1470,7 @@
         <a:lstStyle/>
         <a:p>
           <a:r>
-            <a:rPr lang="en-US" sz="1100" dirty="0" err="1">
-              <a:solidFill>
-                <a:schemeClr val="tx1"/>
-              </a:solidFill>
+            <a:rPr lang="en-US" sz="1100">
               <a:latin typeface="Open Sans" pitchFamily="2" charset="0"/>
               <a:ea typeface="Open Sans" pitchFamily="2" charset="0"/>
               <a:cs typeface="Open Sans" pitchFamily="2" charset="0"/>
@@ -1550,16 +1478,18 @@
             <a:t>calculate_inverse</a:t>
           </a:r>
           <a:r>
-            <a:rPr lang="ru-RU" sz="1100" dirty="0">
-              <a:solidFill>
-                <a:schemeClr val="tx1"/>
-              </a:solidFill>
+            <a:rPr lang="ru-RU" sz="1100">
               <a:latin typeface="Open Sans" pitchFamily="2" charset="0"/>
               <a:ea typeface="Open Sans" pitchFamily="2" charset="0"/>
               <a:cs typeface="Open Sans" pitchFamily="2" charset="0"/>
             </a:rPr>
             <a:t>()</a:t>
           </a:r>
+          <a:endParaRPr lang="ru-RU" sz="1100" dirty="0">
+            <a:latin typeface="Open Sans" pitchFamily="2" charset="0"/>
+            <a:ea typeface="Open Sans" pitchFamily="2" charset="0"/>
+            <a:cs typeface="Open Sans" pitchFamily="2" charset="0"/>
+          </a:endParaRPr>
         </a:p>
       </dgm:t>
     </dgm:pt>
@@ -1607,10 +1537,7 @@
         <a:lstStyle/>
         <a:p>
           <a:r>
-            <a:rPr lang="en-US" sz="1100" dirty="0" err="1">
-              <a:solidFill>
-                <a:schemeClr val="tx1"/>
-              </a:solidFill>
+            <a:rPr lang="en-US" sz="1100">
               <a:latin typeface="Open Sans" pitchFamily="2" charset="0"/>
               <a:ea typeface="Open Sans" pitchFamily="2" charset="0"/>
               <a:cs typeface="Open Sans" pitchFamily="2" charset="0"/>
@@ -1618,16 +1545,18 @@
             <a:t>show_inverse_matrix</a:t>
           </a:r>
           <a:r>
-            <a:rPr lang="ru-RU" sz="1100" dirty="0">
-              <a:solidFill>
-                <a:schemeClr val="tx1"/>
-              </a:solidFill>
+            <a:rPr lang="ru-RU" sz="1100">
               <a:latin typeface="Open Sans" pitchFamily="2" charset="0"/>
               <a:ea typeface="Open Sans" pitchFamily="2" charset="0"/>
               <a:cs typeface="Open Sans" pitchFamily="2" charset="0"/>
             </a:rPr>
             <a:t>()</a:t>
           </a:r>
+          <a:endParaRPr lang="ru-RU" sz="1100" dirty="0">
+            <a:latin typeface="Open Sans" pitchFamily="2" charset="0"/>
+            <a:ea typeface="Open Sans" pitchFamily="2" charset="0"/>
+            <a:cs typeface="Open Sans" pitchFamily="2" charset="0"/>
+          </a:endParaRPr>
         </a:p>
       </dgm:t>
     </dgm:pt>
@@ -1974,7 +1903,7 @@
         <a:gradFill rotWithShape="0">
           <a:gsLst>
             <a:gs pos="0">
-              <a:schemeClr val="accent4">
+              <a:schemeClr val="lt1">
                 <a:hueOff val="0"/>
                 <a:satOff val="0"/>
                 <a:lumOff val="0"/>
@@ -1984,7 +1913,7 @@
               </a:schemeClr>
             </a:gs>
             <a:gs pos="80000">
-              <a:schemeClr val="accent4">
+              <a:schemeClr val="lt1">
                 <a:hueOff val="0"/>
                 <a:satOff val="0"/>
                 <a:lumOff val="0"/>
@@ -1994,7 +1923,7 @@
               </a:schemeClr>
             </a:gs>
             <a:gs pos="100000">
-              <a:schemeClr val="accent4">
+              <a:schemeClr val="lt1">
                 <a:hueOff val="0"/>
                 <a:satOff val="0"/>
                 <a:lumOff val="0"/>
@@ -2051,9 +1980,6 @@
           </a:pPr>
           <a:r>
             <a:rPr lang="en-US" sz="4000" kern="1200">
-              <a:solidFill>
-                <a:schemeClr val="tx1"/>
-              </a:solidFill>
               <a:latin typeface="Open Sans" pitchFamily="2" charset="0"/>
               <a:ea typeface="Open Sans" pitchFamily="2" charset="0"/>
               <a:cs typeface="Open Sans" pitchFamily="2" charset="0"/>
@@ -2061,9 +1987,6 @@
             <a:t>Program</a:t>
           </a:r>
           <a:endParaRPr lang="ru-RU" sz="4000" kern="1200" dirty="0">
-            <a:solidFill>
-              <a:schemeClr val="tx1"/>
-            </a:solidFill>
             <a:latin typeface="Open Sans" pitchFamily="2" charset="0"/>
             <a:ea typeface="Open Sans" pitchFamily="2" charset="0"/>
             <a:cs typeface="Open Sans" pitchFamily="2" charset="0"/>
@@ -2093,7 +2016,7 @@
         <a:gradFill rotWithShape="0">
           <a:gsLst>
             <a:gs pos="0">
-              <a:schemeClr val="accent6">
+              <a:schemeClr val="lt1">
                 <a:hueOff val="0"/>
                 <a:satOff val="0"/>
                 <a:lumOff val="0"/>
@@ -2103,7 +2026,7 @@
               </a:schemeClr>
             </a:gs>
             <a:gs pos="80000">
-              <a:schemeClr val="accent6">
+              <a:schemeClr val="lt1">
                 <a:hueOff val="0"/>
                 <a:satOff val="0"/>
                 <a:lumOff val="0"/>
@@ -2113,7 +2036,7 @@
               </a:schemeClr>
             </a:gs>
             <a:gs pos="100000">
-              <a:schemeClr val="accent6">
+              <a:schemeClr val="lt1">
                 <a:hueOff val="0"/>
                 <a:satOff val="0"/>
                 <a:lumOff val="0"/>
@@ -2169,42 +2092,14 @@
             <a:buNone/>
           </a:pPr>
           <a:r>
-            <a:rPr lang="en-US" sz="1800" kern="1200" dirty="0">
-              <a:solidFill>
-                <a:schemeClr val="tx1"/>
-              </a:solidFill>
+            <a:rPr lang="en-US" sz="1800" kern="1200">
               <a:latin typeface="Open Sans" pitchFamily="2" charset="0"/>
               <a:ea typeface="Open Sans" pitchFamily="2" charset="0"/>
               <a:cs typeface="Open Sans" pitchFamily="2" charset="0"/>
             </a:rPr>
-            <a:t>Create 'app' (</a:t>
-          </a:r>
-          <a:r>
-            <a:rPr lang="en-US" sz="1800" kern="1200" dirty="0" err="1">
-              <a:solidFill>
-                <a:schemeClr val="tx1"/>
-              </a:solidFill>
-              <a:latin typeface="Open Sans" pitchFamily="2" charset="0"/>
-              <a:ea typeface="Open Sans" pitchFamily="2" charset="0"/>
-              <a:cs typeface="Open Sans" pitchFamily="2" charset="0"/>
-            </a:rPr>
-            <a:t>CTk</a:t>
-          </a:r>
-          <a:r>
-            <a:rPr lang="en-US" sz="1800" kern="1200" dirty="0">
-              <a:solidFill>
-                <a:schemeClr val="tx1"/>
-              </a:solidFill>
-              <a:latin typeface="Open Sans" pitchFamily="2" charset="0"/>
-              <a:ea typeface="Open Sans" pitchFamily="2" charset="0"/>
-              <a:cs typeface="Open Sans" pitchFamily="2" charset="0"/>
-            </a:rPr>
-            <a:t>)</a:t>
+            <a:t>Create 'app' (CTk)</a:t>
           </a:r>
           <a:endParaRPr lang="ru-RU" sz="1800" kern="1200" dirty="0">
-            <a:solidFill>
-              <a:schemeClr val="tx1"/>
-            </a:solidFill>
             <a:latin typeface="Open Sans" pitchFamily="2" charset="0"/>
             <a:ea typeface="Open Sans" pitchFamily="2" charset="0"/>
             <a:cs typeface="Open Sans" pitchFamily="2" charset="0"/>
@@ -2234,7 +2129,7 @@
         <a:gradFill rotWithShape="0">
           <a:gsLst>
             <a:gs pos="0">
-              <a:schemeClr val="accent6">
+              <a:schemeClr val="lt1">
                 <a:hueOff val="0"/>
                 <a:satOff val="0"/>
                 <a:lumOff val="0"/>
@@ -2244,7 +2139,7 @@
               </a:schemeClr>
             </a:gs>
             <a:gs pos="80000">
-              <a:schemeClr val="accent6">
+              <a:schemeClr val="lt1">
                 <a:hueOff val="0"/>
                 <a:satOff val="0"/>
                 <a:lumOff val="0"/>
@@ -2254,7 +2149,7 @@
               </a:schemeClr>
             </a:gs>
             <a:gs pos="100000">
-              <a:schemeClr val="accent6">
+              <a:schemeClr val="lt1">
                 <a:hueOff val="0"/>
                 <a:satOff val="0"/>
                 <a:lumOff val="0"/>
@@ -2310,42 +2205,14 @@
             <a:buNone/>
           </a:pPr>
           <a:r>
-            <a:rPr lang="en-US" sz="2400" kern="1200" dirty="0">
-              <a:solidFill>
-                <a:schemeClr val="tx1"/>
-              </a:solidFill>
+            <a:rPr lang="en-US" sz="2400" kern="1200">
               <a:latin typeface="Open Sans" pitchFamily="2" charset="0"/>
               <a:ea typeface="Open Sans" pitchFamily="2" charset="0"/>
               <a:cs typeface="Open Sans" pitchFamily="2" charset="0"/>
             </a:rPr>
-            <a:t>Create '</a:t>
-          </a:r>
-          <a:r>
-            <a:rPr lang="en-US" sz="2400" kern="1200" dirty="0" err="1">
-              <a:solidFill>
-                <a:schemeClr val="tx1"/>
-              </a:solidFill>
-              <a:latin typeface="Open Sans" pitchFamily="2" charset="0"/>
-              <a:ea typeface="Open Sans" pitchFamily="2" charset="0"/>
-              <a:cs typeface="Open Sans" pitchFamily="2" charset="0"/>
-            </a:rPr>
-            <a:t>MatrixCalculator</a:t>
-          </a:r>
-          <a:r>
-            <a:rPr lang="en-US" sz="2400" kern="1200" dirty="0">
-              <a:solidFill>
-                <a:schemeClr val="tx1"/>
-              </a:solidFill>
-              <a:latin typeface="Open Sans" pitchFamily="2" charset="0"/>
-              <a:ea typeface="Open Sans" pitchFamily="2" charset="0"/>
-              <a:cs typeface="Open Sans" pitchFamily="2" charset="0"/>
-            </a:rPr>
-            <a:t>'</a:t>
+            <a:t>Create 'MatrixCalculator'</a:t>
           </a:r>
           <a:endParaRPr lang="ru-RU" sz="2400" kern="1200" dirty="0">
-            <a:solidFill>
-              <a:schemeClr val="tx1"/>
-            </a:solidFill>
             <a:latin typeface="Open Sans" pitchFamily="2" charset="0"/>
             <a:ea typeface="Open Sans" pitchFamily="2" charset="0"/>
             <a:cs typeface="Open Sans" pitchFamily="2" charset="0"/>
@@ -2375,7 +2242,7 @@
         <a:gradFill rotWithShape="0">
           <a:gsLst>
             <a:gs pos="0">
-              <a:schemeClr val="accent1">
+              <a:schemeClr val="lt1">
                 <a:hueOff val="0"/>
                 <a:satOff val="0"/>
                 <a:lumOff val="0"/>
@@ -2385,7 +2252,7 @@
               </a:schemeClr>
             </a:gs>
             <a:gs pos="80000">
-              <a:schemeClr val="accent1">
+              <a:schemeClr val="lt1">
                 <a:hueOff val="0"/>
                 <a:satOff val="0"/>
                 <a:lumOff val="0"/>
@@ -2395,7 +2262,7 @@
               </a:schemeClr>
             </a:gs>
             <a:gs pos="100000">
-              <a:schemeClr val="accent1">
+              <a:schemeClr val="lt1">
                 <a:hueOff val="0"/>
                 <a:satOff val="0"/>
                 <a:lumOff val="0"/>
@@ -2451,42 +2318,14 @@
             <a:buNone/>
           </a:pPr>
           <a:r>
-            <a:rPr lang="en-US" sz="1100" kern="1200" dirty="0">
-              <a:solidFill>
-                <a:schemeClr val="tx1"/>
-              </a:solidFill>
+            <a:rPr lang="en-US" sz="1100" kern="1200">
               <a:latin typeface="Open Sans" pitchFamily="2" charset="0"/>
               <a:ea typeface="Open Sans" pitchFamily="2" charset="0"/>
               <a:cs typeface="Open Sans" pitchFamily="2" charset="0"/>
             </a:rPr>
-            <a:t>Constructor (__</a:t>
-          </a:r>
-          <a:r>
-            <a:rPr lang="en-US" sz="1100" kern="1200" dirty="0" err="1">
-              <a:solidFill>
-                <a:schemeClr val="tx1"/>
-              </a:solidFill>
-              <a:latin typeface="Open Sans" pitchFamily="2" charset="0"/>
-              <a:ea typeface="Open Sans" pitchFamily="2" charset="0"/>
-              <a:cs typeface="Open Sans" pitchFamily="2" charset="0"/>
-            </a:rPr>
-            <a:t>init</a:t>
-          </a:r>
-          <a:r>
-            <a:rPr lang="en-US" sz="1100" kern="1200" dirty="0">
-              <a:solidFill>
-                <a:schemeClr val="tx1"/>
-              </a:solidFill>
-              <a:latin typeface="Open Sans" pitchFamily="2" charset="0"/>
-              <a:ea typeface="Open Sans" pitchFamily="2" charset="0"/>
-              <a:cs typeface="Open Sans" pitchFamily="2" charset="0"/>
-            </a:rPr>
-            <a:t>__)</a:t>
+            <a:t>Constructor (__init__)</a:t>
           </a:r>
           <a:endParaRPr lang="ru-RU" sz="1100" kern="1200" dirty="0">
-            <a:solidFill>
-              <a:schemeClr val="tx1"/>
-            </a:solidFill>
             <a:latin typeface="Open Sans" pitchFamily="2" charset="0"/>
             <a:ea typeface="Open Sans" pitchFamily="2" charset="0"/>
             <a:cs typeface="Open Sans" pitchFamily="2" charset="0"/>
@@ -2516,7 +2355,7 @@
         <a:gradFill rotWithShape="0">
           <a:gsLst>
             <a:gs pos="0">
-              <a:schemeClr val="accent1">
+              <a:schemeClr val="lt1">
                 <a:hueOff val="0"/>
                 <a:satOff val="0"/>
                 <a:lumOff val="0"/>
@@ -2526,7 +2365,7 @@
               </a:schemeClr>
             </a:gs>
             <a:gs pos="80000">
-              <a:schemeClr val="accent1">
+              <a:schemeClr val="lt1">
                 <a:hueOff val="0"/>
                 <a:satOff val="0"/>
                 <a:lumOff val="0"/>
@@ -2536,7 +2375,7 @@
               </a:schemeClr>
             </a:gs>
             <a:gs pos="100000">
-              <a:schemeClr val="accent1">
+              <a:schemeClr val="lt1">
                 <a:hueOff val="0"/>
                 <a:satOff val="0"/>
                 <a:lumOff val="0"/>
@@ -2592,10 +2431,7 @@
             <a:buNone/>
           </a:pPr>
           <a:r>
-            <a:rPr lang="en-US" sz="1100" kern="1200" dirty="0" err="1">
-              <a:solidFill>
-                <a:schemeClr val="tx1"/>
-              </a:solidFill>
+            <a:rPr lang="en-US" sz="1100" kern="1200">
               <a:latin typeface="Open Sans" pitchFamily="2" charset="0"/>
               <a:ea typeface="Open Sans" pitchFamily="2" charset="0"/>
               <a:cs typeface="Open Sans" pitchFamily="2" charset="0"/>
@@ -2603,16 +2439,18 @@
             <a:t>gauss_elimination</a:t>
           </a:r>
           <a:r>
-            <a:rPr lang="ru-RU" sz="1100" kern="1200" dirty="0">
-              <a:solidFill>
-                <a:schemeClr val="tx1"/>
-              </a:solidFill>
+            <a:rPr lang="ru-RU" sz="1100" kern="1200">
               <a:latin typeface="Open Sans" pitchFamily="2" charset="0"/>
               <a:ea typeface="Open Sans" pitchFamily="2" charset="0"/>
               <a:cs typeface="Open Sans" pitchFamily="2" charset="0"/>
             </a:rPr>
             <a:t>()</a:t>
           </a:r>
+          <a:endParaRPr lang="ru-RU" sz="1100" kern="1200" dirty="0">
+            <a:latin typeface="Open Sans" pitchFamily="2" charset="0"/>
+            <a:ea typeface="Open Sans" pitchFamily="2" charset="0"/>
+            <a:cs typeface="Open Sans" pitchFamily="2" charset="0"/>
+          </a:endParaRPr>
         </a:p>
       </dsp:txBody>
       <dsp:txXfrm>
@@ -2638,7 +2476,7 @@
         <a:gradFill rotWithShape="0">
           <a:gsLst>
             <a:gs pos="0">
-              <a:schemeClr val="accent1">
+              <a:schemeClr val="lt1">
                 <a:hueOff val="0"/>
                 <a:satOff val="0"/>
                 <a:lumOff val="0"/>
@@ -2648,7 +2486,7 @@
               </a:schemeClr>
             </a:gs>
             <a:gs pos="80000">
-              <a:schemeClr val="accent1">
+              <a:schemeClr val="lt1">
                 <a:hueOff val="0"/>
                 <a:satOff val="0"/>
                 <a:lumOff val="0"/>
@@ -2658,7 +2496,7 @@
               </a:schemeClr>
             </a:gs>
             <a:gs pos="100000">
-              <a:schemeClr val="accent1">
+              <a:schemeClr val="lt1">
                 <a:hueOff val="0"/>
                 <a:satOff val="0"/>
                 <a:lumOff val="0"/>
@@ -2714,10 +2552,7 @@
             <a:buNone/>
           </a:pPr>
           <a:r>
-            <a:rPr lang="en-US" sz="1100" kern="1200" dirty="0" err="1">
-              <a:solidFill>
-                <a:schemeClr val="tx1"/>
-              </a:solidFill>
+            <a:rPr lang="en-US" sz="1100" kern="1200">
               <a:latin typeface="Open Sans" pitchFamily="2" charset="0"/>
               <a:ea typeface="Open Sans" pitchFamily="2" charset="0"/>
               <a:cs typeface="Open Sans" pitchFamily="2" charset="0"/>
@@ -2725,16 +2560,18 @@
             <a:t>is_valid_number</a:t>
           </a:r>
           <a:r>
-            <a:rPr lang="ru-RU" sz="1100" kern="1200" dirty="0">
-              <a:solidFill>
-                <a:schemeClr val="tx1"/>
-              </a:solidFill>
+            <a:rPr lang="ru-RU" sz="1100" kern="1200">
               <a:latin typeface="Open Sans" pitchFamily="2" charset="0"/>
               <a:ea typeface="Open Sans" pitchFamily="2" charset="0"/>
               <a:cs typeface="Open Sans" pitchFamily="2" charset="0"/>
             </a:rPr>
             <a:t>()</a:t>
           </a:r>
+          <a:endParaRPr lang="ru-RU" sz="1100" kern="1200" dirty="0">
+            <a:latin typeface="Open Sans" pitchFamily="2" charset="0"/>
+            <a:ea typeface="Open Sans" pitchFamily="2" charset="0"/>
+            <a:cs typeface="Open Sans" pitchFamily="2" charset="0"/>
+          </a:endParaRPr>
         </a:p>
       </dsp:txBody>
       <dsp:txXfrm>
@@ -2760,7 +2597,7 @@
         <a:gradFill rotWithShape="0">
           <a:gsLst>
             <a:gs pos="0">
-              <a:schemeClr val="accent1">
+              <a:schemeClr val="lt1">
                 <a:hueOff val="0"/>
                 <a:satOff val="0"/>
                 <a:lumOff val="0"/>
@@ -2770,7 +2607,7 @@
               </a:schemeClr>
             </a:gs>
             <a:gs pos="80000">
-              <a:schemeClr val="accent1">
+              <a:schemeClr val="lt1">
                 <a:hueOff val="0"/>
                 <a:satOff val="0"/>
                 <a:lumOff val="0"/>
@@ -2780,7 +2617,7 @@
               </a:schemeClr>
             </a:gs>
             <a:gs pos="100000">
-              <a:schemeClr val="accent1">
+              <a:schemeClr val="lt1">
                 <a:hueOff val="0"/>
                 <a:satOff val="0"/>
                 <a:lumOff val="0"/>
@@ -2836,10 +2673,7 @@
             <a:buNone/>
           </a:pPr>
           <a:r>
-            <a:rPr lang="en-US" sz="1100" kern="1200" dirty="0" err="1">
-              <a:solidFill>
-                <a:schemeClr val="tx1"/>
-              </a:solidFill>
+            <a:rPr lang="en-US" sz="1100" kern="1200">
               <a:latin typeface="Open Sans" pitchFamily="2" charset="0"/>
               <a:ea typeface="Open Sans" pitchFamily="2" charset="0"/>
               <a:cs typeface="Open Sans" pitchFamily="2" charset="0"/>
@@ -2847,16 +2681,18 @@
             <a:t>create_matrix_window</a:t>
           </a:r>
           <a:r>
-            <a:rPr lang="ru-RU" sz="1100" kern="1200" dirty="0">
-              <a:solidFill>
-                <a:schemeClr val="tx1"/>
-              </a:solidFill>
+            <a:rPr lang="ru-RU" sz="1100" kern="1200">
               <a:latin typeface="Open Sans" pitchFamily="2" charset="0"/>
               <a:ea typeface="Open Sans" pitchFamily="2" charset="0"/>
               <a:cs typeface="Open Sans" pitchFamily="2" charset="0"/>
             </a:rPr>
             <a:t>()</a:t>
           </a:r>
+          <a:endParaRPr lang="ru-RU" sz="1100" kern="1200" dirty="0">
+            <a:latin typeface="Open Sans" pitchFamily="2" charset="0"/>
+            <a:ea typeface="Open Sans" pitchFamily="2" charset="0"/>
+            <a:cs typeface="Open Sans" pitchFamily="2" charset="0"/>
+          </a:endParaRPr>
         </a:p>
       </dsp:txBody>
       <dsp:txXfrm>
@@ -2882,7 +2718,7 @@
         <a:gradFill rotWithShape="0">
           <a:gsLst>
             <a:gs pos="0">
-              <a:schemeClr val="accent1">
+              <a:schemeClr val="lt1">
                 <a:hueOff val="0"/>
                 <a:satOff val="0"/>
                 <a:lumOff val="0"/>
@@ -2892,7 +2728,7 @@
               </a:schemeClr>
             </a:gs>
             <a:gs pos="80000">
-              <a:schemeClr val="accent1">
+              <a:schemeClr val="lt1">
                 <a:hueOff val="0"/>
                 <a:satOff val="0"/>
                 <a:lumOff val="0"/>
@@ -2902,7 +2738,7 @@
               </a:schemeClr>
             </a:gs>
             <a:gs pos="100000">
-              <a:schemeClr val="accent1">
+              <a:schemeClr val="lt1">
                 <a:hueOff val="0"/>
                 <a:satOff val="0"/>
                 <a:lumOff val="0"/>
@@ -2958,10 +2794,7 @@
             <a:buNone/>
           </a:pPr>
           <a:r>
-            <a:rPr lang="en-US" sz="1100" kern="1200" dirty="0" err="1">
-              <a:solidFill>
-                <a:schemeClr val="tx1"/>
-              </a:solidFill>
+            <a:rPr lang="en-US" sz="1100" kern="1200">
               <a:latin typeface="Open Sans" pitchFamily="2" charset="0"/>
               <a:ea typeface="Open Sans" pitchFamily="2" charset="0"/>
               <a:cs typeface="Open Sans" pitchFamily="2" charset="0"/>
@@ -2969,16 +2802,18 @@
             <a:t>hide_matrix_window</a:t>
           </a:r>
           <a:r>
-            <a:rPr lang="ru-RU" sz="1100" kern="1200" dirty="0">
-              <a:solidFill>
-                <a:schemeClr val="tx1"/>
-              </a:solidFill>
+            <a:rPr lang="ru-RU" sz="1100" kern="1200">
               <a:latin typeface="Open Sans" pitchFamily="2" charset="0"/>
               <a:ea typeface="Open Sans" pitchFamily="2" charset="0"/>
               <a:cs typeface="Open Sans" pitchFamily="2" charset="0"/>
             </a:rPr>
             <a:t>()</a:t>
           </a:r>
+          <a:endParaRPr lang="ru-RU" sz="1100" kern="1200" dirty="0">
+            <a:latin typeface="Open Sans" pitchFamily="2" charset="0"/>
+            <a:ea typeface="Open Sans" pitchFamily="2" charset="0"/>
+            <a:cs typeface="Open Sans" pitchFamily="2" charset="0"/>
+          </a:endParaRPr>
         </a:p>
       </dsp:txBody>
       <dsp:txXfrm>
@@ -3004,7 +2839,7 @@
         <a:gradFill rotWithShape="0">
           <a:gsLst>
             <a:gs pos="0">
-              <a:schemeClr val="accent1">
+              <a:schemeClr val="lt1">
                 <a:hueOff val="0"/>
                 <a:satOff val="0"/>
                 <a:lumOff val="0"/>
@@ -3014,7 +2849,7 @@
               </a:schemeClr>
             </a:gs>
             <a:gs pos="80000">
-              <a:schemeClr val="accent1">
+              <a:schemeClr val="lt1">
                 <a:hueOff val="0"/>
                 <a:satOff val="0"/>
                 <a:lumOff val="0"/>
@@ -3024,7 +2859,7 @@
               </a:schemeClr>
             </a:gs>
             <a:gs pos="100000">
-              <a:schemeClr val="accent1">
+              <a:schemeClr val="lt1">
                 <a:hueOff val="0"/>
                 <a:satOff val="0"/>
                 <a:lumOff val="0"/>
@@ -3080,10 +2915,7 @@
             <a:buNone/>
           </a:pPr>
           <a:r>
-            <a:rPr lang="en-US" sz="1100" kern="1200" dirty="0" err="1">
-              <a:solidFill>
-                <a:schemeClr val="tx1"/>
-              </a:solidFill>
+            <a:rPr lang="en-US" sz="1100" kern="1200">
               <a:latin typeface="Open Sans" pitchFamily="2" charset="0"/>
               <a:ea typeface="Open Sans" pitchFamily="2" charset="0"/>
               <a:cs typeface="Open Sans" pitchFamily="2" charset="0"/>
@@ -3091,16 +2923,18 @@
             <a:t>calculate_inverse</a:t>
           </a:r>
           <a:r>
-            <a:rPr lang="ru-RU" sz="1100" kern="1200" dirty="0">
-              <a:solidFill>
-                <a:schemeClr val="tx1"/>
-              </a:solidFill>
+            <a:rPr lang="ru-RU" sz="1100" kern="1200">
               <a:latin typeface="Open Sans" pitchFamily="2" charset="0"/>
               <a:ea typeface="Open Sans" pitchFamily="2" charset="0"/>
               <a:cs typeface="Open Sans" pitchFamily="2" charset="0"/>
             </a:rPr>
             <a:t>()</a:t>
           </a:r>
+          <a:endParaRPr lang="ru-RU" sz="1100" kern="1200" dirty="0">
+            <a:latin typeface="Open Sans" pitchFamily="2" charset="0"/>
+            <a:ea typeface="Open Sans" pitchFamily="2" charset="0"/>
+            <a:cs typeface="Open Sans" pitchFamily="2" charset="0"/>
+          </a:endParaRPr>
         </a:p>
       </dsp:txBody>
       <dsp:txXfrm>
@@ -3126,7 +2960,7 @@
         <a:gradFill rotWithShape="0">
           <a:gsLst>
             <a:gs pos="0">
-              <a:schemeClr val="accent1">
+              <a:schemeClr val="lt1">
                 <a:hueOff val="0"/>
                 <a:satOff val="0"/>
                 <a:lumOff val="0"/>
@@ -3136,7 +2970,7 @@
               </a:schemeClr>
             </a:gs>
             <a:gs pos="80000">
-              <a:schemeClr val="accent1">
+              <a:schemeClr val="lt1">
                 <a:hueOff val="0"/>
                 <a:satOff val="0"/>
                 <a:lumOff val="0"/>
@@ -3146,7 +2980,7 @@
               </a:schemeClr>
             </a:gs>
             <a:gs pos="100000">
-              <a:schemeClr val="accent1">
+              <a:schemeClr val="lt1">
                 <a:hueOff val="0"/>
                 <a:satOff val="0"/>
                 <a:lumOff val="0"/>
@@ -3202,10 +3036,7 @@
             <a:buNone/>
           </a:pPr>
           <a:r>
-            <a:rPr lang="en-US" sz="1100" kern="1200" dirty="0" err="1">
-              <a:solidFill>
-                <a:schemeClr val="tx1"/>
-              </a:solidFill>
+            <a:rPr lang="en-US" sz="1100" kern="1200">
               <a:latin typeface="Open Sans" pitchFamily="2" charset="0"/>
               <a:ea typeface="Open Sans" pitchFamily="2" charset="0"/>
               <a:cs typeface="Open Sans" pitchFamily="2" charset="0"/>
@@ -3213,16 +3044,18 @@
             <a:t>show_inverse_matrix</a:t>
           </a:r>
           <a:r>
-            <a:rPr lang="ru-RU" sz="1100" kern="1200" dirty="0">
-              <a:solidFill>
-                <a:schemeClr val="tx1"/>
-              </a:solidFill>
+            <a:rPr lang="ru-RU" sz="1100" kern="1200">
               <a:latin typeface="Open Sans" pitchFamily="2" charset="0"/>
               <a:ea typeface="Open Sans" pitchFamily="2" charset="0"/>
               <a:cs typeface="Open Sans" pitchFamily="2" charset="0"/>
             </a:rPr>
             <a:t>()</a:t>
           </a:r>
+          <a:endParaRPr lang="ru-RU" sz="1100" kern="1200" dirty="0">
+            <a:latin typeface="Open Sans" pitchFamily="2" charset="0"/>
+            <a:ea typeface="Open Sans" pitchFamily="2" charset="0"/>
+            <a:cs typeface="Open Sans" pitchFamily="2" charset="0"/>
+          </a:endParaRPr>
         </a:p>
       </dsp:txBody>
       <dsp:txXfrm>
@@ -18037,7 +17870,7 @@
           <p:nvPr>
             <p:extLst>
               <p:ext uri="{D42A27DB-BD31-4B8C-83A1-F6EECF244321}">
-                <p14:modId xmlns:p14="http://schemas.microsoft.com/office/powerpoint/2010/main" val="2720970632"/>
+                <p14:modId xmlns:p14="http://schemas.microsoft.com/office/powerpoint/2010/main" val="2509361314"/>
               </p:ext>
             </p:extLst>
           </p:nvPr>

--- a/Презентация/Презентация к курсовой работе.pptx
+++ b/Презентация/Презентация к курсовой работе.pptx
@@ -9851,25 +9851,6 @@
                 <a:ea typeface="Open Sans" pitchFamily="2" charset="0"/>
                 <a:cs typeface="Open Sans" pitchFamily="2" charset="0"/>
               </a:rPr>
-              <a:t>Цель курсового проекта - создание программы по манипулированию квадратными матрицами по схеме Гаусса. Проект выполнен успешно.</a:t>
-            </a:r>
-          </a:p>
-          <a:p>
-            <a:pPr marL="0" indent="450000" algn="just">
-              <a:spcBef>
-                <a:spcPts val="0"/>
-              </a:spcBef>
-              <a:buNone/>
-            </a:pPr>
-            <a:r>
-              <a:rPr lang="ru-RU" sz="1600" dirty="0">
-                <a:solidFill>
-                  <a:schemeClr val="bg1"/>
-                </a:solidFill>
-                <a:latin typeface="Open Sans" pitchFamily="2" charset="0"/>
-                <a:ea typeface="Open Sans" pitchFamily="2" charset="0"/>
-                <a:cs typeface="Open Sans" pitchFamily="2" charset="0"/>
-              </a:rPr>
               <a:t>В процессе работы над проектом были получены навыки проектирования программного обеспечения. Программа разработана с использованием стратегии анализа сообщений и нисходящего подхода. Проведен анализ потоков данных, которыми управляет программа. Опыт выполнения задания подчеркнул важность точной формулировки требований к программе и методичного подхода к ее проектированию.</a:t>
             </a:r>
             <a:r>
